--- a/Diederich_Grassi_Nichols_PPT.pptx
+++ b/Diederich_Grassi_Nichols_PPT.pptx
@@ -3,14 +3,16 @@
 <p:presentation xmlns:a="http://schemas.openxmlformats.org/drawingml/2006/main" xmlns:r="http://schemas.openxmlformats.org/officeDocument/2006/relationships" xmlns:p="http://schemas.openxmlformats.org/presentationml/2006/main" saveSubsetFonts="1" autoCompressPictures="0">
   <p:sldMasterIdLst>
     <p:sldMasterId id="2147483660" r:id="rId1"/>
+    <p:sldMasterId id="2147483671" r:id="rId2"/>
   </p:sldMasterIdLst>
   <p:sldIdLst>
-    <p:sldId id="257" r:id="rId2"/>
-    <p:sldId id="262" r:id="rId3"/>
-    <p:sldId id="258" r:id="rId4"/>
-    <p:sldId id="259" r:id="rId5"/>
-    <p:sldId id="260" r:id="rId6"/>
-    <p:sldId id="261" r:id="rId7"/>
+    <p:sldId id="257" r:id="rId3"/>
+    <p:sldId id="262" r:id="rId4"/>
+    <p:sldId id="264" r:id="rId5"/>
+    <p:sldId id="265" r:id="rId6"/>
+    <p:sldId id="267" r:id="rId7"/>
+    <p:sldId id="266" r:id="rId8"/>
+    <p:sldId id="268" r:id="rId9"/>
   </p:sldIdLst>
   <p:sldSz cx="9144000" cy="6858000" type="screen4x3"/>
   <p:notesSz cx="6858000" cy="9144000"/>
@@ -320,7 +322,7 @@
   <p:timing>
     <p:tnLst>
       <p:par>
-        <p:cTn xmlns:p14="http://schemas.microsoft.com/office/powerpoint/2010/main" id="1" dur="indefinite" restart="never" nodeType="tmRoot"/>
+        <p:cTn id="1" dur="indefinite" restart="never" nodeType="tmRoot"/>
       </p:par>
     </p:tnLst>
   </p:timing>
@@ -329,7 +331,7 @@
 
 <file path=ppt/slideLayouts/slideLayout10.xml><?xml version="1.0" encoding="utf-8"?>
 <p:sldLayout xmlns:a="http://schemas.openxmlformats.org/drawingml/2006/main" xmlns:r="http://schemas.openxmlformats.org/officeDocument/2006/relationships" xmlns:p="http://schemas.openxmlformats.org/presentationml/2006/main" preserve="1">
-  <p:cSld name="Title-Paragraph-pg#">
+  <p:cSld name="Title-Bullets-pg#">
     <p:spTree>
       <p:nvGrpSpPr>
         <p:cNvPr id="1" name=""/>
@@ -384,317 +386,6 @@
             <a:r>
               <a:rPr lang="en-US" dirty="0" smtClean="0"/>
               <a:t>Title</a:t>
-            </a:r>
-            <a:endParaRPr lang="en-US" dirty="0"/>
-          </a:p>
-        </p:txBody>
-      </p:sp>
-      <p:sp>
-        <p:nvSpPr>
-          <p:cNvPr id="6" name="Text Placeholder 5"/>
-          <p:cNvSpPr>
-            <a:spLocks noGrp="1"/>
-          </p:cNvSpPr>
-          <p:nvPr>
-            <p:ph type="body" sz="quarter" idx="11" hasCustomPrompt="1"/>
-          </p:nvPr>
-        </p:nvSpPr>
-        <p:spPr>
-          <a:xfrm>
-            <a:off x="960783" y="1409340"/>
-            <a:ext cx="7388087" cy="4222833"/>
-          </a:xfrm>
-          <a:prstGeom prst="rect">
-            <a:avLst/>
-          </a:prstGeom>
-        </p:spPr>
-        <p:txBody>
-          <a:bodyPr vert="horz"/>
-          <a:lstStyle>
-            <a:lvl1pPr marL="0" indent="0">
-              <a:lnSpc>
-                <a:spcPts val="3200"/>
-              </a:lnSpc>
-              <a:spcBef>
-                <a:spcPts val="0"/>
-              </a:spcBef>
-              <a:spcAft>
-                <a:spcPts val="900"/>
-              </a:spcAft>
-              <a:buFontTx/>
-              <a:buNone/>
-              <a:defRPr sz="2400">
-                <a:solidFill>
-                  <a:schemeClr val="accent1"/>
-                </a:solidFill>
-              </a:defRPr>
-            </a:lvl1pPr>
-          </a:lstStyle>
-          <a:p>
-            <a:pPr lvl="0"/>
-            <a:r>
-              <a:rPr lang="en-US" dirty="0" err="1" smtClean="0"/>
-              <a:t>Lorem</a:t>
-            </a:r>
-            <a:r>
-              <a:rPr lang="en-US" dirty="0" smtClean="0"/>
-              <a:t> </a:t>
-            </a:r>
-            <a:r>
-              <a:rPr lang="en-US" dirty="0" err="1" smtClean="0"/>
-              <a:t>ipsum</a:t>
-            </a:r>
-            <a:r>
-              <a:rPr lang="en-US" dirty="0" smtClean="0"/>
-              <a:t> dolor sit </a:t>
-            </a:r>
-            <a:r>
-              <a:rPr lang="en-US" dirty="0" err="1" smtClean="0"/>
-              <a:t>amet</a:t>
-            </a:r>
-            <a:r>
-              <a:rPr lang="en-US" dirty="0" smtClean="0"/>
-              <a:t>, </a:t>
-            </a:r>
-            <a:r>
-              <a:rPr lang="en-US" dirty="0" err="1" smtClean="0"/>
-              <a:t>consectetur</a:t>
-            </a:r>
-            <a:r>
-              <a:rPr lang="en-US" dirty="0" smtClean="0"/>
-              <a:t> </a:t>
-            </a:r>
-            <a:r>
-              <a:rPr lang="en-US" dirty="0" err="1" smtClean="0"/>
-              <a:t>adipiscing</a:t>
-            </a:r>
-            <a:r>
-              <a:rPr lang="en-US" dirty="0" smtClean="0"/>
-              <a:t> </a:t>
-            </a:r>
-            <a:r>
-              <a:rPr lang="en-US" dirty="0" err="1" smtClean="0"/>
-              <a:t>elit</a:t>
-            </a:r>
-            <a:r>
-              <a:rPr lang="en-US" dirty="0" smtClean="0"/>
-              <a:t>. </a:t>
-            </a:r>
-            <a:r>
-              <a:rPr lang="en-US" dirty="0" err="1" smtClean="0"/>
-              <a:t>Pellentesque</a:t>
-            </a:r>
-            <a:r>
-              <a:rPr lang="en-US" dirty="0" smtClean="0"/>
-              <a:t> </a:t>
-            </a:r>
-            <a:r>
-              <a:rPr lang="en-US" dirty="0" err="1" smtClean="0"/>
-              <a:t>pretium</a:t>
-            </a:r>
-            <a:r>
-              <a:rPr lang="en-US" dirty="0" smtClean="0"/>
-              <a:t>, </a:t>
-            </a:r>
-            <a:r>
-              <a:rPr lang="en-US" dirty="0" err="1" smtClean="0"/>
-              <a:t>massa</a:t>
-            </a:r>
-            <a:r>
-              <a:rPr lang="en-US" dirty="0" smtClean="0"/>
-              <a:t> at </a:t>
-            </a:r>
-            <a:r>
-              <a:rPr lang="en-US" dirty="0" err="1" smtClean="0"/>
-              <a:t>auctor</a:t>
-            </a:r>
-            <a:r>
-              <a:rPr lang="en-US" dirty="0" smtClean="0"/>
-              <a:t> </a:t>
-            </a:r>
-            <a:r>
-              <a:rPr lang="en-US" dirty="0" err="1" smtClean="0"/>
-              <a:t>tristique</a:t>
-            </a:r>
-            <a:r>
-              <a:rPr lang="en-US" dirty="0" smtClean="0"/>
-              <a:t>, </a:t>
-            </a:r>
-            <a:r>
-              <a:rPr lang="en-US" dirty="0" err="1" smtClean="0"/>
-              <a:t>lectus</a:t>
-            </a:r>
-            <a:r>
-              <a:rPr lang="en-US" dirty="0" smtClean="0"/>
-              <a:t> </a:t>
-            </a:r>
-            <a:r>
-              <a:rPr lang="en-US" dirty="0" err="1" smtClean="0"/>
-              <a:t>ipsum</a:t>
-            </a:r>
-            <a:r>
-              <a:rPr lang="en-US" dirty="0" smtClean="0"/>
-              <a:t> </a:t>
-            </a:r>
-            <a:r>
-              <a:rPr lang="en-US" dirty="0" err="1" smtClean="0"/>
-              <a:t>porttitor</a:t>
-            </a:r>
-            <a:r>
-              <a:rPr lang="en-US" dirty="0" smtClean="0"/>
-              <a:t> </a:t>
-            </a:r>
-            <a:r>
-              <a:rPr lang="en-US" dirty="0" err="1" smtClean="0"/>
-              <a:t>metus</a:t>
-            </a:r>
-            <a:r>
-              <a:rPr lang="en-US" dirty="0" smtClean="0"/>
-              <a:t>, </a:t>
-            </a:r>
-            <a:r>
-              <a:rPr lang="en-US" dirty="0" err="1" smtClean="0"/>
-              <a:t>eget</a:t>
-            </a:r>
-            <a:r>
-              <a:rPr lang="en-US" dirty="0" smtClean="0"/>
-              <a:t> </a:t>
-            </a:r>
-            <a:r>
-              <a:rPr lang="en-US" dirty="0" err="1" smtClean="0"/>
-              <a:t>rutrum</a:t>
-            </a:r>
-            <a:r>
-              <a:rPr lang="en-US" dirty="0" smtClean="0"/>
-              <a:t> nisi </a:t>
-            </a:r>
-            <a:r>
-              <a:rPr lang="en-US" dirty="0" err="1" smtClean="0"/>
-              <a:t>turpis</a:t>
-            </a:r>
-            <a:r>
-              <a:rPr lang="en-US" dirty="0" smtClean="0"/>
-              <a:t> </a:t>
-            </a:r>
-            <a:r>
-              <a:rPr lang="en-US" dirty="0" err="1" smtClean="0"/>
-              <a:t>nec</a:t>
-            </a:r>
-            <a:r>
-              <a:rPr lang="en-US" dirty="0" smtClean="0"/>
-              <a:t> sem. </a:t>
-            </a:r>
-            <a:r>
-              <a:rPr lang="en-US" dirty="0" err="1" smtClean="0"/>
-              <a:t>Praesent</a:t>
-            </a:r>
-            <a:r>
-              <a:rPr lang="en-US" dirty="0" smtClean="0"/>
-              <a:t> </a:t>
-            </a:r>
-            <a:r>
-              <a:rPr lang="en-US" dirty="0" err="1" smtClean="0"/>
-              <a:t>luctus</a:t>
-            </a:r>
-            <a:r>
-              <a:rPr lang="en-US" dirty="0" smtClean="0"/>
-              <a:t>, </a:t>
-            </a:r>
-            <a:r>
-              <a:rPr lang="en-US" dirty="0" err="1" smtClean="0"/>
-              <a:t>orci</a:t>
-            </a:r>
-            <a:r>
-              <a:rPr lang="en-US" dirty="0" smtClean="0"/>
-              <a:t> id </a:t>
-            </a:r>
-            <a:r>
-              <a:rPr lang="en-US" dirty="0" err="1" smtClean="0"/>
-              <a:t>pretium</a:t>
-            </a:r>
-            <a:r>
-              <a:rPr lang="en-US" dirty="0" smtClean="0"/>
-              <a:t> </a:t>
-            </a:r>
-            <a:r>
-              <a:rPr lang="en-US" dirty="0" err="1" smtClean="0"/>
-              <a:t>venenatis</a:t>
-            </a:r>
-            <a:r>
-              <a:rPr lang="en-US" dirty="0" smtClean="0"/>
-              <a:t>, </a:t>
-            </a:r>
-            <a:r>
-              <a:rPr lang="en-US" dirty="0" err="1" smtClean="0"/>
-              <a:t>libero</a:t>
-            </a:r>
-            <a:r>
-              <a:rPr lang="en-US" dirty="0" smtClean="0"/>
-              <a:t> </a:t>
-            </a:r>
-            <a:r>
-              <a:rPr lang="en-US" dirty="0" err="1" smtClean="0"/>
-              <a:t>ipsum</a:t>
-            </a:r>
-            <a:r>
-              <a:rPr lang="en-US" dirty="0" smtClean="0"/>
-              <a:t> </a:t>
-            </a:r>
-            <a:r>
-              <a:rPr lang="en-US" dirty="0" err="1" smtClean="0"/>
-              <a:t>pellentesque</a:t>
-            </a:r>
-            <a:r>
-              <a:rPr lang="en-US" dirty="0" smtClean="0"/>
-              <a:t> </a:t>
-            </a:r>
-            <a:r>
-              <a:rPr lang="en-US" dirty="0" err="1" smtClean="0"/>
-              <a:t>sem</a:t>
-            </a:r>
-            <a:r>
-              <a:rPr lang="en-US" dirty="0" smtClean="0"/>
-              <a:t>, </a:t>
-            </a:r>
-            <a:r>
-              <a:rPr lang="en-US" dirty="0" err="1" smtClean="0"/>
-              <a:t>sodales</a:t>
-            </a:r>
-            <a:r>
-              <a:rPr lang="en-US" dirty="0" smtClean="0"/>
-              <a:t> </a:t>
-            </a:r>
-            <a:r>
-              <a:rPr lang="en-US" dirty="0" err="1" smtClean="0"/>
-              <a:t>interdum</a:t>
-            </a:r>
-            <a:r>
-              <a:rPr lang="en-US" dirty="0" smtClean="0"/>
-              <a:t> </a:t>
-            </a:r>
-            <a:r>
-              <a:rPr lang="en-US" dirty="0" err="1" smtClean="0"/>
-              <a:t>eros</a:t>
-            </a:r>
-            <a:r>
-              <a:rPr lang="en-US" dirty="0" smtClean="0"/>
-              <a:t> </a:t>
-            </a:r>
-            <a:r>
-              <a:rPr lang="en-US" dirty="0" err="1" smtClean="0"/>
-              <a:t>risus</a:t>
-            </a:r>
-            <a:r>
-              <a:rPr lang="en-US" dirty="0" smtClean="0"/>
-              <a:t> </a:t>
-            </a:r>
-            <a:r>
-              <a:rPr lang="en-US" dirty="0" err="1" smtClean="0"/>
-              <a:t>malesuada</a:t>
-            </a:r>
-            <a:r>
-              <a:rPr lang="en-US" dirty="0" smtClean="0"/>
-              <a:t> ante.</a:t>
             </a:r>
             <a:endParaRPr lang="en-US" dirty="0"/>
           </a:p>
@@ -732,7 +423,98 @@
       </p:pic>
       <p:sp>
         <p:nvSpPr>
-          <p:cNvPr id="9" name="TextBox 8"/>
+          <p:cNvPr id="3" name="Text Placeholder 2"/>
+          <p:cNvSpPr>
+            <a:spLocks noGrp="1"/>
+          </p:cNvSpPr>
+          <p:nvPr>
+            <p:ph type="body" sz="quarter" idx="11"/>
+          </p:nvPr>
+        </p:nvSpPr>
+        <p:spPr>
+          <a:xfrm>
+            <a:off x="960438" y="1377950"/>
+            <a:ext cx="7388225" cy="4210050"/>
+          </a:xfrm>
+          <a:prstGeom prst="rect">
+            <a:avLst/>
+          </a:prstGeom>
+        </p:spPr>
+        <p:txBody>
+          <a:bodyPr vert="horz"/>
+          <a:lstStyle>
+            <a:lvl1pPr>
+              <a:spcBef>
+                <a:spcPts val="700"/>
+              </a:spcBef>
+              <a:spcAft>
+                <a:spcPts val="400"/>
+              </a:spcAft>
+              <a:buClr>
+                <a:schemeClr val="accent1"/>
+              </a:buClr>
+              <a:defRPr sz="2800">
+                <a:solidFill>
+                  <a:schemeClr val="accent1"/>
+                </a:solidFill>
+              </a:defRPr>
+            </a:lvl1pPr>
+            <a:lvl2pPr>
+              <a:defRPr sz="2400">
+                <a:solidFill>
+                  <a:schemeClr val="accent1"/>
+                </a:solidFill>
+              </a:defRPr>
+            </a:lvl2pPr>
+            <a:lvl3pPr>
+              <a:defRPr>
+                <a:solidFill>
+                  <a:schemeClr val="accent1"/>
+                </a:solidFill>
+              </a:defRPr>
+            </a:lvl3pPr>
+          </a:lstStyle>
+          <a:p>
+            <a:pPr lvl="0"/>
+            <a:r>
+              <a:rPr lang="en-US" smtClean="0"/>
+              <a:t>Click to edit Master text styles</a:t>
+            </a:r>
+          </a:p>
+          <a:p>
+            <a:pPr lvl="1"/>
+            <a:r>
+              <a:rPr lang="en-US" smtClean="0"/>
+              <a:t>Second level</a:t>
+            </a:r>
+          </a:p>
+          <a:p>
+            <a:pPr lvl="2"/>
+            <a:r>
+              <a:rPr lang="en-US" smtClean="0"/>
+              <a:t>Third level</a:t>
+            </a:r>
+          </a:p>
+          <a:p>
+            <a:pPr lvl="3"/>
+            <a:r>
+              <a:rPr lang="en-US" smtClean="0"/>
+              <a:t>Fourth level</a:t>
+            </a:r>
+          </a:p>
+          <a:p>
+            <a:pPr lvl="4"/>
+            <a:r>
+              <a:rPr lang="en-US" smtClean="0"/>
+              <a:t>Fifth level</a:t>
+            </a:r>
+            <a:endParaRPr lang="en-US" dirty="0" smtClean="0"/>
+          </a:p>
+        </p:txBody>
+      </p:sp>
+      <p:sp>
+        <p:nvSpPr>
+          <p:cNvPr id="6" name="TextBox 5"/>
           <p:cNvSpPr txBox="1"/>
           <p:nvPr/>
         </p:nvSpPr>
@@ -777,6 +559,473 @@
     </p:spTree>
     <p:extLst>
       <p:ext uri="{BB962C8B-B14F-4D97-AF65-F5344CB8AC3E}">
+        <p14:creationId xmlns:p14="http://schemas.microsoft.com/office/powerpoint/2010/main" val="1061859844"/>
+      </p:ext>
+    </p:extLst>
+  </p:cSld>
+  <p:clrMapOvr>
+    <a:masterClrMapping/>
+  </p:clrMapOvr>
+  <p:timing>
+    <p:tnLst>
+      <p:par>
+        <p:cTn id="1" dur="indefinite" restart="never" nodeType="tmRoot"/>
+      </p:par>
+    </p:tnLst>
+  </p:timing>
+</p:sldLayout>
+</file>
+
+<file path=ppt/slideLayouts/slideLayout11.xml><?xml version="1.0" encoding="utf-8"?>
+<p:sldLayout xmlns:a="http://schemas.openxmlformats.org/drawingml/2006/main" xmlns:r="http://schemas.openxmlformats.org/officeDocument/2006/relationships" xmlns:p="http://schemas.openxmlformats.org/presentationml/2006/main" preserve="1">
+  <p:cSld name="Title-Paragraph-pg#">
+    <p:spTree>
+      <p:nvGrpSpPr>
+        <p:cNvPr id="1" name=""/>
+        <p:cNvGrpSpPr/>
+        <p:nvPr/>
+      </p:nvGrpSpPr>
+      <p:grpSpPr>
+        <a:xfrm>
+          <a:off x="0" y="0"/>
+          <a:ext cx="0" cy="0"/>
+          <a:chOff x="0" y="0"/>
+          <a:chExt cx="0" cy="0"/>
+        </a:xfrm>
+      </p:grpSpPr>
+      <p:sp>
+        <p:nvSpPr>
+          <p:cNvPr id="4" name="Text Placeholder 3"/>
+          <p:cNvSpPr>
+            <a:spLocks noGrp="1"/>
+          </p:cNvSpPr>
+          <p:nvPr>
+            <p:ph type="body" sz="quarter" idx="10" hasCustomPrompt="1"/>
+          </p:nvPr>
+        </p:nvSpPr>
+        <p:spPr>
+          <a:xfrm>
+            <a:off x="960783" y="712807"/>
+            <a:ext cx="7388087" cy="664714"/>
+          </a:xfrm>
+          <a:prstGeom prst="rect">
+            <a:avLst/>
+          </a:prstGeom>
+        </p:spPr>
+        <p:txBody>
+          <a:bodyPr vert="horz"/>
+          <a:lstStyle>
+            <a:lvl1pPr marL="0" indent="0">
+              <a:spcBef>
+                <a:spcPts val="0"/>
+              </a:spcBef>
+              <a:buFontTx/>
+              <a:buNone/>
+              <a:defRPr sz="3600">
+                <a:solidFill>
+                  <a:schemeClr val="tx1"/>
+                </a:solidFill>
+              </a:defRPr>
+            </a:lvl1pPr>
+          </a:lstStyle>
+          <a:p>
+            <a:pPr lvl="0"/>
+            <a:r>
+              <a:rPr lang="en-US" dirty="0" smtClean="0"/>
+              <a:t>Title</a:t>
+            </a:r>
+            <a:endParaRPr lang="en-US" dirty="0"/>
+          </a:p>
+        </p:txBody>
+      </p:sp>
+      <p:sp>
+        <p:nvSpPr>
+          <p:cNvPr id="6" name="Text Placeholder 5"/>
+          <p:cNvSpPr>
+            <a:spLocks noGrp="1"/>
+          </p:cNvSpPr>
+          <p:nvPr>
+            <p:ph type="body" sz="quarter" idx="11" hasCustomPrompt="1"/>
+          </p:nvPr>
+        </p:nvSpPr>
+        <p:spPr>
+          <a:xfrm>
+            <a:off x="960783" y="1409340"/>
+            <a:ext cx="7388087" cy="4222833"/>
+          </a:xfrm>
+          <a:prstGeom prst="rect">
+            <a:avLst/>
+          </a:prstGeom>
+        </p:spPr>
+        <p:txBody>
+          <a:bodyPr vert="horz"/>
+          <a:lstStyle>
+            <a:lvl1pPr marL="0" indent="0">
+              <a:lnSpc>
+                <a:spcPts val="3200"/>
+              </a:lnSpc>
+              <a:spcBef>
+                <a:spcPts val="0"/>
+              </a:spcBef>
+              <a:spcAft>
+                <a:spcPts val="900"/>
+              </a:spcAft>
+              <a:buFontTx/>
+              <a:buNone/>
+              <a:defRPr sz="2400">
+                <a:solidFill>
+                  <a:schemeClr val="accent1"/>
+                </a:solidFill>
+              </a:defRPr>
+            </a:lvl1pPr>
+          </a:lstStyle>
+          <a:p>
+            <a:pPr lvl="0"/>
+            <a:r>
+              <a:rPr lang="en-US" dirty="0" err="1" smtClean="0"/>
+              <a:t>Lorem</a:t>
+            </a:r>
+            <a:r>
+              <a:rPr lang="en-US" dirty="0" smtClean="0"/>
+              <a:t> </a:t>
+            </a:r>
+            <a:r>
+              <a:rPr lang="en-US" dirty="0" err="1" smtClean="0"/>
+              <a:t>ipsum</a:t>
+            </a:r>
+            <a:r>
+              <a:rPr lang="en-US" dirty="0" smtClean="0"/>
+              <a:t> dolor sit </a:t>
+            </a:r>
+            <a:r>
+              <a:rPr lang="en-US" dirty="0" err="1" smtClean="0"/>
+              <a:t>amet</a:t>
+            </a:r>
+            <a:r>
+              <a:rPr lang="en-US" dirty="0" smtClean="0"/>
+              <a:t>, </a:t>
+            </a:r>
+            <a:r>
+              <a:rPr lang="en-US" dirty="0" err="1" smtClean="0"/>
+              <a:t>consectetur</a:t>
+            </a:r>
+            <a:r>
+              <a:rPr lang="en-US" dirty="0" smtClean="0"/>
+              <a:t> </a:t>
+            </a:r>
+            <a:r>
+              <a:rPr lang="en-US" dirty="0" err="1" smtClean="0"/>
+              <a:t>adipiscing</a:t>
+            </a:r>
+            <a:r>
+              <a:rPr lang="en-US" dirty="0" smtClean="0"/>
+              <a:t> </a:t>
+            </a:r>
+            <a:r>
+              <a:rPr lang="en-US" dirty="0" err="1" smtClean="0"/>
+              <a:t>elit</a:t>
+            </a:r>
+            <a:r>
+              <a:rPr lang="en-US" dirty="0" smtClean="0"/>
+              <a:t>. </a:t>
+            </a:r>
+            <a:r>
+              <a:rPr lang="en-US" dirty="0" err="1" smtClean="0"/>
+              <a:t>Pellentesque</a:t>
+            </a:r>
+            <a:r>
+              <a:rPr lang="en-US" dirty="0" smtClean="0"/>
+              <a:t> </a:t>
+            </a:r>
+            <a:r>
+              <a:rPr lang="en-US" dirty="0" err="1" smtClean="0"/>
+              <a:t>pretium</a:t>
+            </a:r>
+            <a:r>
+              <a:rPr lang="en-US" dirty="0" smtClean="0"/>
+              <a:t>, </a:t>
+            </a:r>
+            <a:r>
+              <a:rPr lang="en-US" dirty="0" err="1" smtClean="0"/>
+              <a:t>massa</a:t>
+            </a:r>
+            <a:r>
+              <a:rPr lang="en-US" dirty="0" smtClean="0"/>
+              <a:t> at </a:t>
+            </a:r>
+            <a:r>
+              <a:rPr lang="en-US" dirty="0" err="1" smtClean="0"/>
+              <a:t>auctor</a:t>
+            </a:r>
+            <a:r>
+              <a:rPr lang="en-US" dirty="0" smtClean="0"/>
+              <a:t> </a:t>
+            </a:r>
+            <a:r>
+              <a:rPr lang="en-US" dirty="0" err="1" smtClean="0"/>
+              <a:t>tristique</a:t>
+            </a:r>
+            <a:r>
+              <a:rPr lang="en-US" dirty="0" smtClean="0"/>
+              <a:t>, </a:t>
+            </a:r>
+            <a:r>
+              <a:rPr lang="en-US" dirty="0" err="1" smtClean="0"/>
+              <a:t>lectus</a:t>
+            </a:r>
+            <a:r>
+              <a:rPr lang="en-US" dirty="0" smtClean="0"/>
+              <a:t> </a:t>
+            </a:r>
+            <a:r>
+              <a:rPr lang="en-US" dirty="0" err="1" smtClean="0"/>
+              <a:t>ipsum</a:t>
+            </a:r>
+            <a:r>
+              <a:rPr lang="en-US" dirty="0" smtClean="0"/>
+              <a:t> </a:t>
+            </a:r>
+            <a:r>
+              <a:rPr lang="en-US" dirty="0" err="1" smtClean="0"/>
+              <a:t>porttitor</a:t>
+            </a:r>
+            <a:r>
+              <a:rPr lang="en-US" dirty="0" smtClean="0"/>
+              <a:t> </a:t>
+            </a:r>
+            <a:r>
+              <a:rPr lang="en-US" dirty="0" err="1" smtClean="0"/>
+              <a:t>metus</a:t>
+            </a:r>
+            <a:r>
+              <a:rPr lang="en-US" dirty="0" smtClean="0"/>
+              <a:t>, </a:t>
+            </a:r>
+            <a:r>
+              <a:rPr lang="en-US" dirty="0" err="1" smtClean="0"/>
+              <a:t>eget</a:t>
+            </a:r>
+            <a:r>
+              <a:rPr lang="en-US" dirty="0" smtClean="0"/>
+              <a:t> </a:t>
+            </a:r>
+            <a:r>
+              <a:rPr lang="en-US" dirty="0" err="1" smtClean="0"/>
+              <a:t>rutrum</a:t>
+            </a:r>
+            <a:r>
+              <a:rPr lang="en-US" dirty="0" smtClean="0"/>
+              <a:t> nisi </a:t>
+            </a:r>
+            <a:r>
+              <a:rPr lang="en-US" dirty="0" err="1" smtClean="0"/>
+              <a:t>turpis</a:t>
+            </a:r>
+            <a:r>
+              <a:rPr lang="en-US" dirty="0" smtClean="0"/>
+              <a:t> </a:t>
+            </a:r>
+            <a:r>
+              <a:rPr lang="en-US" dirty="0" err="1" smtClean="0"/>
+              <a:t>nec</a:t>
+            </a:r>
+            <a:r>
+              <a:rPr lang="en-US" dirty="0" smtClean="0"/>
+              <a:t> sem. </a:t>
+            </a:r>
+            <a:r>
+              <a:rPr lang="en-US" dirty="0" err="1" smtClean="0"/>
+              <a:t>Praesent</a:t>
+            </a:r>
+            <a:r>
+              <a:rPr lang="en-US" dirty="0" smtClean="0"/>
+              <a:t> </a:t>
+            </a:r>
+            <a:r>
+              <a:rPr lang="en-US" dirty="0" err="1" smtClean="0"/>
+              <a:t>luctus</a:t>
+            </a:r>
+            <a:r>
+              <a:rPr lang="en-US" dirty="0" smtClean="0"/>
+              <a:t>, </a:t>
+            </a:r>
+            <a:r>
+              <a:rPr lang="en-US" dirty="0" err="1" smtClean="0"/>
+              <a:t>orci</a:t>
+            </a:r>
+            <a:r>
+              <a:rPr lang="en-US" dirty="0" smtClean="0"/>
+              <a:t> id </a:t>
+            </a:r>
+            <a:r>
+              <a:rPr lang="en-US" dirty="0" err="1" smtClean="0"/>
+              <a:t>pretium</a:t>
+            </a:r>
+            <a:r>
+              <a:rPr lang="en-US" dirty="0" smtClean="0"/>
+              <a:t> </a:t>
+            </a:r>
+            <a:r>
+              <a:rPr lang="en-US" dirty="0" err="1" smtClean="0"/>
+              <a:t>venenatis</a:t>
+            </a:r>
+            <a:r>
+              <a:rPr lang="en-US" dirty="0" smtClean="0"/>
+              <a:t>, </a:t>
+            </a:r>
+            <a:r>
+              <a:rPr lang="en-US" dirty="0" err="1" smtClean="0"/>
+              <a:t>libero</a:t>
+            </a:r>
+            <a:r>
+              <a:rPr lang="en-US" dirty="0" smtClean="0"/>
+              <a:t> </a:t>
+            </a:r>
+            <a:r>
+              <a:rPr lang="en-US" dirty="0" err="1" smtClean="0"/>
+              <a:t>ipsum</a:t>
+            </a:r>
+            <a:r>
+              <a:rPr lang="en-US" dirty="0" smtClean="0"/>
+              <a:t> </a:t>
+            </a:r>
+            <a:r>
+              <a:rPr lang="en-US" dirty="0" err="1" smtClean="0"/>
+              <a:t>pellentesque</a:t>
+            </a:r>
+            <a:r>
+              <a:rPr lang="en-US" dirty="0" smtClean="0"/>
+              <a:t> </a:t>
+            </a:r>
+            <a:r>
+              <a:rPr lang="en-US" dirty="0" err="1" smtClean="0"/>
+              <a:t>sem</a:t>
+            </a:r>
+            <a:r>
+              <a:rPr lang="en-US" dirty="0" smtClean="0"/>
+              <a:t>, </a:t>
+            </a:r>
+            <a:r>
+              <a:rPr lang="en-US" dirty="0" err="1" smtClean="0"/>
+              <a:t>sodales</a:t>
+            </a:r>
+            <a:r>
+              <a:rPr lang="en-US" dirty="0" smtClean="0"/>
+              <a:t> </a:t>
+            </a:r>
+            <a:r>
+              <a:rPr lang="en-US" dirty="0" err="1" smtClean="0"/>
+              <a:t>interdum</a:t>
+            </a:r>
+            <a:r>
+              <a:rPr lang="en-US" dirty="0" smtClean="0"/>
+              <a:t> </a:t>
+            </a:r>
+            <a:r>
+              <a:rPr lang="en-US" dirty="0" err="1" smtClean="0"/>
+              <a:t>eros</a:t>
+            </a:r>
+            <a:r>
+              <a:rPr lang="en-US" dirty="0" smtClean="0"/>
+              <a:t> </a:t>
+            </a:r>
+            <a:r>
+              <a:rPr lang="en-US" dirty="0" err="1" smtClean="0"/>
+              <a:t>risus</a:t>
+            </a:r>
+            <a:r>
+              <a:rPr lang="en-US" dirty="0" smtClean="0"/>
+              <a:t> </a:t>
+            </a:r>
+            <a:r>
+              <a:rPr lang="en-US" dirty="0" err="1" smtClean="0"/>
+              <a:t>malesuada</a:t>
+            </a:r>
+            <a:r>
+              <a:rPr lang="en-US" dirty="0" smtClean="0"/>
+              <a:t> ante.</a:t>
+            </a:r>
+            <a:endParaRPr lang="en-US" dirty="0"/>
+          </a:p>
+        </p:txBody>
+      </p:sp>
+      <p:pic>
+        <p:nvPicPr>
+          <p:cNvPr id="7" name="Picture 6" descr="university.shield.small.blue.pdf"/>
+          <p:cNvPicPr>
+            <a:picLocks noChangeAspect="1"/>
+          </p:cNvPicPr>
+          <p:nvPr/>
+        </p:nvPicPr>
+        <p:blipFill>
+          <a:blip r:embed="rId2">
+            <a:extLst>
+              <a:ext uri="{28A0092B-C50C-407E-A947-70E740481C1C}">
+                <a14:useLocalDpi xmlns:a14="http://schemas.microsoft.com/office/drawing/2010/main" val="0"/>
+              </a:ext>
+            </a:extLst>
+          </a:blip>
+          <a:stretch>
+            <a:fillRect/>
+          </a:stretch>
+        </p:blipFill>
+        <p:spPr>
+          <a:xfrm>
+            <a:off x="8257440" y="6194173"/>
+            <a:ext cx="427383" cy="457200"/>
+          </a:xfrm>
+          <a:prstGeom prst="rect">
+            <a:avLst/>
+          </a:prstGeom>
+        </p:spPr>
+      </p:pic>
+      <p:sp>
+        <p:nvSpPr>
+          <p:cNvPr id="9" name="TextBox 8"/>
+          <p:cNvSpPr txBox="1"/>
+          <p:nvPr/>
+        </p:nvSpPr>
+        <p:spPr>
+          <a:xfrm>
+            <a:off x="465512" y="6320286"/>
+            <a:ext cx="638836" cy="307777"/>
+          </a:xfrm>
+          <a:prstGeom prst="rect">
+            <a:avLst/>
+          </a:prstGeom>
+          <a:noFill/>
+        </p:spPr>
+        <p:txBody>
+          <a:bodyPr wrap="square" rtlCol="0">
+            <a:spAutoFit/>
+          </a:bodyPr>
+          <a:lstStyle/>
+          <a:p>
+            <a:pPr algn="ctr"/>
+            <a:fld id="{647299B9-C1A7-9D48-8AE8-8B9C8FA5578A}" type="slidenum">
+              <a:rPr lang="en-US" sz="1400" smtClean="0">
+                <a:solidFill>
+                  <a:srgbClr val="053886"/>
+                </a:solidFill>
+                <a:latin typeface="Arial"/>
+                <a:cs typeface="Arial"/>
+              </a:rPr>
+              <a:pPr algn="ctr"/>
+              <a:t>‹#›</a:t>
+            </a:fld>
+            <a:endParaRPr lang="en-US" sz="1400" dirty="0">
+              <a:solidFill>
+                <a:srgbClr val="053886"/>
+              </a:solidFill>
+              <a:latin typeface="Arial"/>
+              <a:cs typeface="Arial"/>
+            </a:endParaRPr>
+          </a:p>
+        </p:txBody>
+      </p:sp>
+    </p:spTree>
+    <p:extLst>
+      <p:ext uri="{BB962C8B-B14F-4D97-AF65-F5344CB8AC3E}">
         <p14:creationId xmlns:p14="http://schemas.microsoft.com/office/powerpoint/2010/main" val="1107542684"/>
       </p:ext>
     </p:extLst>
@@ -787,10 +1036,1868 @@
   <p:timing>
     <p:tnLst>
       <p:par>
-        <p:cTn xmlns:p14="http://schemas.microsoft.com/office/powerpoint/2010/main" id="1" dur="indefinite" restart="never" nodeType="tmRoot"/>
+        <p:cTn id="1" dur="indefinite" restart="never" nodeType="tmRoot"/>
       </p:par>
     </p:tnLst>
   </p:timing>
+</p:sldLayout>
+</file>
+
+<file path=ppt/slideLayouts/slideLayout12.xml><?xml version="1.0" encoding="utf-8"?>
+<p:sldLayout xmlns:a="http://schemas.openxmlformats.org/drawingml/2006/main" xmlns:r="http://schemas.openxmlformats.org/officeDocument/2006/relationships" xmlns:p="http://schemas.openxmlformats.org/presentationml/2006/main" type="title" preserve="1">
+  <p:cSld name="Title Slide">
+    <p:spTree>
+      <p:nvGrpSpPr>
+        <p:cNvPr id="1" name=""/>
+        <p:cNvGrpSpPr/>
+        <p:nvPr/>
+      </p:nvGrpSpPr>
+      <p:grpSpPr>
+        <a:xfrm>
+          <a:off x="0" y="0"/>
+          <a:ext cx="0" cy="0"/>
+          <a:chOff x="0" y="0"/>
+          <a:chExt cx="0" cy="0"/>
+        </a:xfrm>
+      </p:grpSpPr>
+      <p:sp>
+        <p:nvSpPr>
+          <p:cNvPr id="2" name="Title 1"/>
+          <p:cNvSpPr>
+            <a:spLocks noGrp="1"/>
+          </p:cNvSpPr>
+          <p:nvPr>
+            <p:ph type="ctrTitle"/>
+          </p:nvPr>
+        </p:nvSpPr>
+        <p:spPr>
+          <a:xfrm>
+            <a:off x="685800" y="2130425"/>
+            <a:ext cx="7772400" cy="1470025"/>
+          </a:xfrm>
+        </p:spPr>
+        <p:txBody>
+          <a:bodyPr/>
+          <a:lstStyle/>
+          <a:p>
+            <a:r>
+              <a:rPr lang="en-US" smtClean="0"/>
+              <a:t>Click to edit Master title style</a:t>
+            </a:r>
+            <a:endParaRPr lang="en-US"/>
+          </a:p>
+        </p:txBody>
+      </p:sp>
+      <p:sp>
+        <p:nvSpPr>
+          <p:cNvPr id="3" name="Subtitle 2"/>
+          <p:cNvSpPr>
+            <a:spLocks noGrp="1"/>
+          </p:cNvSpPr>
+          <p:nvPr>
+            <p:ph type="subTitle" idx="1"/>
+          </p:nvPr>
+        </p:nvSpPr>
+        <p:spPr>
+          <a:xfrm>
+            <a:off x="1371600" y="3886200"/>
+            <a:ext cx="6400800" cy="1752600"/>
+          </a:xfrm>
+        </p:spPr>
+        <p:txBody>
+          <a:bodyPr/>
+          <a:lstStyle>
+            <a:lvl1pPr marL="0" indent="0" algn="ctr">
+              <a:buNone/>
+              <a:defRPr>
+                <a:solidFill>
+                  <a:schemeClr val="tx1">
+                    <a:tint val="75000"/>
+                  </a:schemeClr>
+                </a:solidFill>
+              </a:defRPr>
+            </a:lvl1pPr>
+            <a:lvl2pPr marL="457200" indent="0" algn="ctr">
+              <a:buNone/>
+              <a:defRPr>
+                <a:solidFill>
+                  <a:schemeClr val="tx1">
+                    <a:tint val="75000"/>
+                  </a:schemeClr>
+                </a:solidFill>
+              </a:defRPr>
+            </a:lvl2pPr>
+            <a:lvl3pPr marL="914400" indent="0" algn="ctr">
+              <a:buNone/>
+              <a:defRPr>
+                <a:solidFill>
+                  <a:schemeClr val="tx1">
+                    <a:tint val="75000"/>
+                  </a:schemeClr>
+                </a:solidFill>
+              </a:defRPr>
+            </a:lvl3pPr>
+            <a:lvl4pPr marL="1371600" indent="0" algn="ctr">
+              <a:buNone/>
+              <a:defRPr>
+                <a:solidFill>
+                  <a:schemeClr val="tx1">
+                    <a:tint val="75000"/>
+                  </a:schemeClr>
+                </a:solidFill>
+              </a:defRPr>
+            </a:lvl4pPr>
+            <a:lvl5pPr marL="1828800" indent="0" algn="ctr">
+              <a:buNone/>
+              <a:defRPr>
+                <a:solidFill>
+                  <a:schemeClr val="tx1">
+                    <a:tint val="75000"/>
+                  </a:schemeClr>
+                </a:solidFill>
+              </a:defRPr>
+            </a:lvl5pPr>
+            <a:lvl6pPr marL="2286000" indent="0" algn="ctr">
+              <a:buNone/>
+              <a:defRPr>
+                <a:solidFill>
+                  <a:schemeClr val="tx1">
+                    <a:tint val="75000"/>
+                  </a:schemeClr>
+                </a:solidFill>
+              </a:defRPr>
+            </a:lvl6pPr>
+            <a:lvl7pPr marL="2743200" indent="0" algn="ctr">
+              <a:buNone/>
+              <a:defRPr>
+                <a:solidFill>
+                  <a:schemeClr val="tx1">
+                    <a:tint val="75000"/>
+                  </a:schemeClr>
+                </a:solidFill>
+              </a:defRPr>
+            </a:lvl7pPr>
+            <a:lvl8pPr marL="3200400" indent="0" algn="ctr">
+              <a:buNone/>
+              <a:defRPr>
+                <a:solidFill>
+                  <a:schemeClr val="tx1">
+                    <a:tint val="75000"/>
+                  </a:schemeClr>
+                </a:solidFill>
+              </a:defRPr>
+            </a:lvl8pPr>
+            <a:lvl9pPr marL="3657600" indent="0" algn="ctr">
+              <a:buNone/>
+              <a:defRPr>
+                <a:solidFill>
+                  <a:schemeClr val="tx1">
+                    <a:tint val="75000"/>
+                  </a:schemeClr>
+                </a:solidFill>
+              </a:defRPr>
+            </a:lvl9pPr>
+          </a:lstStyle>
+          <a:p>
+            <a:r>
+              <a:rPr lang="en-US" smtClean="0"/>
+              <a:t>Click to edit Master subtitle style</a:t>
+            </a:r>
+            <a:endParaRPr lang="en-US"/>
+          </a:p>
+        </p:txBody>
+      </p:sp>
+      <p:sp>
+        <p:nvSpPr>
+          <p:cNvPr id="4" name="Date Placeholder 3"/>
+          <p:cNvSpPr>
+            <a:spLocks noGrp="1"/>
+          </p:cNvSpPr>
+          <p:nvPr>
+            <p:ph type="dt" sz="half" idx="10"/>
+          </p:nvPr>
+        </p:nvSpPr>
+        <p:spPr/>
+        <p:txBody>
+          <a:bodyPr/>
+          <a:lstStyle/>
+          <a:p>
+            <a:fld id="{90455005-09FF-4243-A183-D1053D00688D}" type="datetimeFigureOut">
+              <a:rPr lang="en-US" smtClean="0"/>
+              <a:t>11/5/2017</a:t>
+            </a:fld>
+            <a:endParaRPr lang="en-US"/>
+          </a:p>
+        </p:txBody>
+      </p:sp>
+      <p:sp>
+        <p:nvSpPr>
+          <p:cNvPr id="5" name="Footer Placeholder 4"/>
+          <p:cNvSpPr>
+            <a:spLocks noGrp="1"/>
+          </p:cNvSpPr>
+          <p:nvPr>
+            <p:ph type="ftr" sz="quarter" idx="11"/>
+          </p:nvPr>
+        </p:nvSpPr>
+        <p:spPr/>
+        <p:txBody>
+          <a:bodyPr/>
+          <a:lstStyle/>
+          <a:p>
+            <a:endParaRPr lang="en-US"/>
+          </a:p>
+        </p:txBody>
+      </p:sp>
+      <p:sp>
+        <p:nvSpPr>
+          <p:cNvPr id="6" name="Slide Number Placeholder 5"/>
+          <p:cNvSpPr>
+            <a:spLocks noGrp="1"/>
+          </p:cNvSpPr>
+          <p:nvPr>
+            <p:ph type="sldNum" sz="quarter" idx="12"/>
+          </p:nvPr>
+        </p:nvSpPr>
+        <p:spPr/>
+        <p:txBody>
+          <a:bodyPr/>
+          <a:lstStyle/>
+          <a:p>
+            <a:fld id="{99EE57CA-B557-4AEB-A9DC-B1370C4ACAC1}" type="slidenum">
+              <a:rPr lang="en-US" smtClean="0"/>
+              <a:t>‹#›</a:t>
+            </a:fld>
+            <a:endParaRPr lang="en-US"/>
+          </a:p>
+        </p:txBody>
+      </p:sp>
+    </p:spTree>
+    <p:extLst>
+      <p:ext uri="{BB962C8B-B14F-4D97-AF65-F5344CB8AC3E}">
+        <p14:creationId xmlns:p14="http://schemas.microsoft.com/office/powerpoint/2010/main" val="4239292933"/>
+      </p:ext>
+    </p:extLst>
+  </p:cSld>
+  <p:clrMapOvr>
+    <a:masterClrMapping/>
+  </p:clrMapOvr>
+</p:sldLayout>
+</file>
+
+<file path=ppt/slideLayouts/slideLayout13.xml><?xml version="1.0" encoding="utf-8"?>
+<p:sldLayout xmlns:a="http://schemas.openxmlformats.org/drawingml/2006/main" xmlns:r="http://schemas.openxmlformats.org/officeDocument/2006/relationships" xmlns:p="http://schemas.openxmlformats.org/presentationml/2006/main" type="obj" preserve="1">
+  <p:cSld name="Title and Content">
+    <p:spTree>
+      <p:nvGrpSpPr>
+        <p:cNvPr id="1" name=""/>
+        <p:cNvGrpSpPr/>
+        <p:nvPr/>
+      </p:nvGrpSpPr>
+      <p:grpSpPr>
+        <a:xfrm>
+          <a:off x="0" y="0"/>
+          <a:ext cx="0" cy="0"/>
+          <a:chOff x="0" y="0"/>
+          <a:chExt cx="0" cy="0"/>
+        </a:xfrm>
+      </p:grpSpPr>
+      <p:sp>
+        <p:nvSpPr>
+          <p:cNvPr id="2" name="Title 1"/>
+          <p:cNvSpPr>
+            <a:spLocks noGrp="1"/>
+          </p:cNvSpPr>
+          <p:nvPr>
+            <p:ph type="title"/>
+          </p:nvPr>
+        </p:nvSpPr>
+        <p:spPr/>
+        <p:txBody>
+          <a:bodyPr/>
+          <a:lstStyle/>
+          <a:p>
+            <a:r>
+              <a:rPr lang="en-US" smtClean="0"/>
+              <a:t>Click to edit Master title style</a:t>
+            </a:r>
+            <a:endParaRPr lang="en-US"/>
+          </a:p>
+        </p:txBody>
+      </p:sp>
+      <p:sp>
+        <p:nvSpPr>
+          <p:cNvPr id="3" name="Content Placeholder 2"/>
+          <p:cNvSpPr>
+            <a:spLocks noGrp="1"/>
+          </p:cNvSpPr>
+          <p:nvPr>
+            <p:ph idx="1"/>
+          </p:nvPr>
+        </p:nvSpPr>
+        <p:spPr/>
+        <p:txBody>
+          <a:bodyPr/>
+          <a:lstStyle/>
+          <a:p>
+            <a:pPr lvl="0"/>
+            <a:r>
+              <a:rPr lang="en-US" smtClean="0"/>
+              <a:t>Click to edit Master text styles</a:t>
+            </a:r>
+          </a:p>
+          <a:p>
+            <a:pPr lvl="1"/>
+            <a:r>
+              <a:rPr lang="en-US" smtClean="0"/>
+              <a:t>Second level</a:t>
+            </a:r>
+          </a:p>
+          <a:p>
+            <a:pPr lvl="2"/>
+            <a:r>
+              <a:rPr lang="en-US" smtClean="0"/>
+              <a:t>Third level</a:t>
+            </a:r>
+          </a:p>
+          <a:p>
+            <a:pPr lvl="3"/>
+            <a:r>
+              <a:rPr lang="en-US" smtClean="0"/>
+              <a:t>Fourth level</a:t>
+            </a:r>
+          </a:p>
+          <a:p>
+            <a:pPr lvl="4"/>
+            <a:r>
+              <a:rPr lang="en-US" smtClean="0"/>
+              <a:t>Fifth level</a:t>
+            </a:r>
+            <a:endParaRPr lang="en-US"/>
+          </a:p>
+        </p:txBody>
+      </p:sp>
+      <p:sp>
+        <p:nvSpPr>
+          <p:cNvPr id="4" name="Date Placeholder 3"/>
+          <p:cNvSpPr>
+            <a:spLocks noGrp="1"/>
+          </p:cNvSpPr>
+          <p:nvPr>
+            <p:ph type="dt" sz="half" idx="10"/>
+          </p:nvPr>
+        </p:nvSpPr>
+        <p:spPr/>
+        <p:txBody>
+          <a:bodyPr/>
+          <a:lstStyle/>
+          <a:p>
+            <a:fld id="{90455005-09FF-4243-A183-D1053D00688D}" type="datetimeFigureOut">
+              <a:rPr lang="en-US" smtClean="0"/>
+              <a:t>11/5/2017</a:t>
+            </a:fld>
+            <a:endParaRPr lang="en-US"/>
+          </a:p>
+        </p:txBody>
+      </p:sp>
+      <p:sp>
+        <p:nvSpPr>
+          <p:cNvPr id="5" name="Footer Placeholder 4"/>
+          <p:cNvSpPr>
+            <a:spLocks noGrp="1"/>
+          </p:cNvSpPr>
+          <p:nvPr>
+            <p:ph type="ftr" sz="quarter" idx="11"/>
+          </p:nvPr>
+        </p:nvSpPr>
+        <p:spPr/>
+        <p:txBody>
+          <a:bodyPr/>
+          <a:lstStyle/>
+          <a:p>
+            <a:endParaRPr lang="en-US"/>
+          </a:p>
+        </p:txBody>
+      </p:sp>
+      <p:sp>
+        <p:nvSpPr>
+          <p:cNvPr id="6" name="Slide Number Placeholder 5"/>
+          <p:cNvSpPr>
+            <a:spLocks noGrp="1"/>
+          </p:cNvSpPr>
+          <p:nvPr>
+            <p:ph type="sldNum" sz="quarter" idx="12"/>
+          </p:nvPr>
+        </p:nvSpPr>
+        <p:spPr/>
+        <p:txBody>
+          <a:bodyPr/>
+          <a:lstStyle/>
+          <a:p>
+            <a:fld id="{99EE57CA-B557-4AEB-A9DC-B1370C4ACAC1}" type="slidenum">
+              <a:rPr lang="en-US" smtClean="0"/>
+              <a:t>‹#›</a:t>
+            </a:fld>
+            <a:endParaRPr lang="en-US"/>
+          </a:p>
+        </p:txBody>
+      </p:sp>
+    </p:spTree>
+    <p:extLst>
+      <p:ext uri="{BB962C8B-B14F-4D97-AF65-F5344CB8AC3E}">
+        <p14:creationId xmlns:p14="http://schemas.microsoft.com/office/powerpoint/2010/main" val="4266409284"/>
+      </p:ext>
+    </p:extLst>
+  </p:cSld>
+  <p:clrMapOvr>
+    <a:masterClrMapping/>
+  </p:clrMapOvr>
+</p:sldLayout>
+</file>
+
+<file path=ppt/slideLayouts/slideLayout14.xml><?xml version="1.0" encoding="utf-8"?>
+<p:sldLayout xmlns:a="http://schemas.openxmlformats.org/drawingml/2006/main" xmlns:r="http://schemas.openxmlformats.org/officeDocument/2006/relationships" xmlns:p="http://schemas.openxmlformats.org/presentationml/2006/main" type="secHead" preserve="1">
+  <p:cSld name="Section Header">
+    <p:spTree>
+      <p:nvGrpSpPr>
+        <p:cNvPr id="1" name=""/>
+        <p:cNvGrpSpPr/>
+        <p:nvPr/>
+      </p:nvGrpSpPr>
+      <p:grpSpPr>
+        <a:xfrm>
+          <a:off x="0" y="0"/>
+          <a:ext cx="0" cy="0"/>
+          <a:chOff x="0" y="0"/>
+          <a:chExt cx="0" cy="0"/>
+        </a:xfrm>
+      </p:grpSpPr>
+      <p:sp>
+        <p:nvSpPr>
+          <p:cNvPr id="2" name="Title 1"/>
+          <p:cNvSpPr>
+            <a:spLocks noGrp="1"/>
+          </p:cNvSpPr>
+          <p:nvPr>
+            <p:ph type="title"/>
+          </p:nvPr>
+        </p:nvSpPr>
+        <p:spPr>
+          <a:xfrm>
+            <a:off x="722313" y="4406900"/>
+            <a:ext cx="7772400" cy="1362075"/>
+          </a:xfrm>
+        </p:spPr>
+        <p:txBody>
+          <a:bodyPr anchor="t"/>
+          <a:lstStyle>
+            <a:lvl1pPr algn="l">
+              <a:defRPr sz="4000" b="1" cap="all"/>
+            </a:lvl1pPr>
+          </a:lstStyle>
+          <a:p>
+            <a:r>
+              <a:rPr lang="en-US" smtClean="0"/>
+              <a:t>Click to edit Master title style</a:t>
+            </a:r>
+            <a:endParaRPr lang="en-US"/>
+          </a:p>
+        </p:txBody>
+      </p:sp>
+      <p:sp>
+        <p:nvSpPr>
+          <p:cNvPr id="3" name="Text Placeholder 2"/>
+          <p:cNvSpPr>
+            <a:spLocks noGrp="1"/>
+          </p:cNvSpPr>
+          <p:nvPr>
+            <p:ph type="body" idx="1"/>
+          </p:nvPr>
+        </p:nvSpPr>
+        <p:spPr>
+          <a:xfrm>
+            <a:off x="722313" y="2906713"/>
+            <a:ext cx="7772400" cy="1500187"/>
+          </a:xfrm>
+        </p:spPr>
+        <p:txBody>
+          <a:bodyPr anchor="b"/>
+          <a:lstStyle>
+            <a:lvl1pPr marL="0" indent="0">
+              <a:buNone/>
+              <a:defRPr sz="2000">
+                <a:solidFill>
+                  <a:schemeClr val="tx1">
+                    <a:tint val="75000"/>
+                  </a:schemeClr>
+                </a:solidFill>
+              </a:defRPr>
+            </a:lvl1pPr>
+            <a:lvl2pPr marL="457200" indent="0">
+              <a:buNone/>
+              <a:defRPr sz="1800">
+                <a:solidFill>
+                  <a:schemeClr val="tx1">
+                    <a:tint val="75000"/>
+                  </a:schemeClr>
+                </a:solidFill>
+              </a:defRPr>
+            </a:lvl2pPr>
+            <a:lvl3pPr marL="914400" indent="0">
+              <a:buNone/>
+              <a:defRPr sz="1600">
+                <a:solidFill>
+                  <a:schemeClr val="tx1">
+                    <a:tint val="75000"/>
+                  </a:schemeClr>
+                </a:solidFill>
+              </a:defRPr>
+            </a:lvl3pPr>
+            <a:lvl4pPr marL="1371600" indent="0">
+              <a:buNone/>
+              <a:defRPr sz="1400">
+                <a:solidFill>
+                  <a:schemeClr val="tx1">
+                    <a:tint val="75000"/>
+                  </a:schemeClr>
+                </a:solidFill>
+              </a:defRPr>
+            </a:lvl4pPr>
+            <a:lvl5pPr marL="1828800" indent="0">
+              <a:buNone/>
+              <a:defRPr sz="1400">
+                <a:solidFill>
+                  <a:schemeClr val="tx1">
+                    <a:tint val="75000"/>
+                  </a:schemeClr>
+                </a:solidFill>
+              </a:defRPr>
+            </a:lvl5pPr>
+            <a:lvl6pPr marL="2286000" indent="0">
+              <a:buNone/>
+              <a:defRPr sz="1400">
+                <a:solidFill>
+                  <a:schemeClr val="tx1">
+                    <a:tint val="75000"/>
+                  </a:schemeClr>
+                </a:solidFill>
+              </a:defRPr>
+            </a:lvl6pPr>
+            <a:lvl7pPr marL="2743200" indent="0">
+              <a:buNone/>
+              <a:defRPr sz="1400">
+                <a:solidFill>
+                  <a:schemeClr val="tx1">
+                    <a:tint val="75000"/>
+                  </a:schemeClr>
+                </a:solidFill>
+              </a:defRPr>
+            </a:lvl7pPr>
+            <a:lvl8pPr marL="3200400" indent="0">
+              <a:buNone/>
+              <a:defRPr sz="1400">
+                <a:solidFill>
+                  <a:schemeClr val="tx1">
+                    <a:tint val="75000"/>
+                  </a:schemeClr>
+                </a:solidFill>
+              </a:defRPr>
+            </a:lvl8pPr>
+            <a:lvl9pPr marL="3657600" indent="0">
+              <a:buNone/>
+              <a:defRPr sz="1400">
+                <a:solidFill>
+                  <a:schemeClr val="tx1">
+                    <a:tint val="75000"/>
+                  </a:schemeClr>
+                </a:solidFill>
+              </a:defRPr>
+            </a:lvl9pPr>
+          </a:lstStyle>
+          <a:p>
+            <a:pPr lvl="0"/>
+            <a:r>
+              <a:rPr lang="en-US" smtClean="0"/>
+              <a:t>Click to edit Master text styles</a:t>
+            </a:r>
+          </a:p>
+        </p:txBody>
+      </p:sp>
+      <p:sp>
+        <p:nvSpPr>
+          <p:cNvPr id="4" name="Date Placeholder 3"/>
+          <p:cNvSpPr>
+            <a:spLocks noGrp="1"/>
+          </p:cNvSpPr>
+          <p:nvPr>
+            <p:ph type="dt" sz="half" idx="10"/>
+          </p:nvPr>
+        </p:nvSpPr>
+        <p:spPr/>
+        <p:txBody>
+          <a:bodyPr/>
+          <a:lstStyle/>
+          <a:p>
+            <a:fld id="{90455005-09FF-4243-A183-D1053D00688D}" type="datetimeFigureOut">
+              <a:rPr lang="en-US" smtClean="0"/>
+              <a:t>11/5/2017</a:t>
+            </a:fld>
+            <a:endParaRPr lang="en-US"/>
+          </a:p>
+        </p:txBody>
+      </p:sp>
+      <p:sp>
+        <p:nvSpPr>
+          <p:cNvPr id="5" name="Footer Placeholder 4"/>
+          <p:cNvSpPr>
+            <a:spLocks noGrp="1"/>
+          </p:cNvSpPr>
+          <p:nvPr>
+            <p:ph type="ftr" sz="quarter" idx="11"/>
+          </p:nvPr>
+        </p:nvSpPr>
+        <p:spPr/>
+        <p:txBody>
+          <a:bodyPr/>
+          <a:lstStyle/>
+          <a:p>
+            <a:endParaRPr lang="en-US"/>
+          </a:p>
+        </p:txBody>
+      </p:sp>
+      <p:sp>
+        <p:nvSpPr>
+          <p:cNvPr id="6" name="Slide Number Placeholder 5"/>
+          <p:cNvSpPr>
+            <a:spLocks noGrp="1"/>
+          </p:cNvSpPr>
+          <p:nvPr>
+            <p:ph type="sldNum" sz="quarter" idx="12"/>
+          </p:nvPr>
+        </p:nvSpPr>
+        <p:spPr/>
+        <p:txBody>
+          <a:bodyPr/>
+          <a:lstStyle/>
+          <a:p>
+            <a:fld id="{99EE57CA-B557-4AEB-A9DC-B1370C4ACAC1}" type="slidenum">
+              <a:rPr lang="en-US" smtClean="0"/>
+              <a:t>‹#›</a:t>
+            </a:fld>
+            <a:endParaRPr lang="en-US"/>
+          </a:p>
+        </p:txBody>
+      </p:sp>
+    </p:spTree>
+    <p:extLst>
+      <p:ext uri="{BB962C8B-B14F-4D97-AF65-F5344CB8AC3E}">
+        <p14:creationId xmlns:p14="http://schemas.microsoft.com/office/powerpoint/2010/main" val="3090336051"/>
+      </p:ext>
+    </p:extLst>
+  </p:cSld>
+  <p:clrMapOvr>
+    <a:masterClrMapping/>
+  </p:clrMapOvr>
+</p:sldLayout>
+</file>
+
+<file path=ppt/slideLayouts/slideLayout15.xml><?xml version="1.0" encoding="utf-8"?>
+<p:sldLayout xmlns:a="http://schemas.openxmlformats.org/drawingml/2006/main" xmlns:r="http://schemas.openxmlformats.org/officeDocument/2006/relationships" xmlns:p="http://schemas.openxmlformats.org/presentationml/2006/main" type="twoObj" preserve="1">
+  <p:cSld name="Two Content">
+    <p:spTree>
+      <p:nvGrpSpPr>
+        <p:cNvPr id="1" name=""/>
+        <p:cNvGrpSpPr/>
+        <p:nvPr/>
+      </p:nvGrpSpPr>
+      <p:grpSpPr>
+        <a:xfrm>
+          <a:off x="0" y="0"/>
+          <a:ext cx="0" cy="0"/>
+          <a:chOff x="0" y="0"/>
+          <a:chExt cx="0" cy="0"/>
+        </a:xfrm>
+      </p:grpSpPr>
+      <p:sp>
+        <p:nvSpPr>
+          <p:cNvPr id="2" name="Title 1"/>
+          <p:cNvSpPr>
+            <a:spLocks noGrp="1"/>
+          </p:cNvSpPr>
+          <p:nvPr>
+            <p:ph type="title"/>
+          </p:nvPr>
+        </p:nvSpPr>
+        <p:spPr/>
+        <p:txBody>
+          <a:bodyPr/>
+          <a:lstStyle/>
+          <a:p>
+            <a:r>
+              <a:rPr lang="en-US" smtClean="0"/>
+              <a:t>Click to edit Master title style</a:t>
+            </a:r>
+            <a:endParaRPr lang="en-US"/>
+          </a:p>
+        </p:txBody>
+      </p:sp>
+      <p:sp>
+        <p:nvSpPr>
+          <p:cNvPr id="3" name="Content Placeholder 2"/>
+          <p:cNvSpPr>
+            <a:spLocks noGrp="1"/>
+          </p:cNvSpPr>
+          <p:nvPr>
+            <p:ph sz="half" idx="1"/>
+          </p:nvPr>
+        </p:nvSpPr>
+        <p:spPr>
+          <a:xfrm>
+            <a:off x="457200" y="1600200"/>
+            <a:ext cx="4038600" cy="4525963"/>
+          </a:xfrm>
+        </p:spPr>
+        <p:txBody>
+          <a:bodyPr/>
+          <a:lstStyle>
+            <a:lvl1pPr>
+              <a:defRPr sz="2800"/>
+            </a:lvl1pPr>
+            <a:lvl2pPr>
+              <a:defRPr sz="2400"/>
+            </a:lvl2pPr>
+            <a:lvl3pPr>
+              <a:defRPr sz="2000"/>
+            </a:lvl3pPr>
+            <a:lvl4pPr>
+              <a:defRPr sz="1800"/>
+            </a:lvl4pPr>
+            <a:lvl5pPr>
+              <a:defRPr sz="1800"/>
+            </a:lvl5pPr>
+            <a:lvl6pPr>
+              <a:defRPr sz="1800"/>
+            </a:lvl6pPr>
+            <a:lvl7pPr>
+              <a:defRPr sz="1800"/>
+            </a:lvl7pPr>
+            <a:lvl8pPr>
+              <a:defRPr sz="1800"/>
+            </a:lvl8pPr>
+            <a:lvl9pPr>
+              <a:defRPr sz="1800"/>
+            </a:lvl9pPr>
+          </a:lstStyle>
+          <a:p>
+            <a:pPr lvl="0"/>
+            <a:r>
+              <a:rPr lang="en-US" smtClean="0"/>
+              <a:t>Click to edit Master text styles</a:t>
+            </a:r>
+          </a:p>
+          <a:p>
+            <a:pPr lvl="1"/>
+            <a:r>
+              <a:rPr lang="en-US" smtClean="0"/>
+              <a:t>Second level</a:t>
+            </a:r>
+          </a:p>
+          <a:p>
+            <a:pPr lvl="2"/>
+            <a:r>
+              <a:rPr lang="en-US" smtClean="0"/>
+              <a:t>Third level</a:t>
+            </a:r>
+          </a:p>
+          <a:p>
+            <a:pPr lvl="3"/>
+            <a:r>
+              <a:rPr lang="en-US" smtClean="0"/>
+              <a:t>Fourth level</a:t>
+            </a:r>
+          </a:p>
+          <a:p>
+            <a:pPr lvl="4"/>
+            <a:r>
+              <a:rPr lang="en-US" smtClean="0"/>
+              <a:t>Fifth level</a:t>
+            </a:r>
+            <a:endParaRPr lang="en-US"/>
+          </a:p>
+        </p:txBody>
+      </p:sp>
+      <p:sp>
+        <p:nvSpPr>
+          <p:cNvPr id="4" name="Content Placeholder 3"/>
+          <p:cNvSpPr>
+            <a:spLocks noGrp="1"/>
+          </p:cNvSpPr>
+          <p:nvPr>
+            <p:ph sz="half" idx="2"/>
+          </p:nvPr>
+        </p:nvSpPr>
+        <p:spPr>
+          <a:xfrm>
+            <a:off x="4648200" y="1600200"/>
+            <a:ext cx="4038600" cy="4525963"/>
+          </a:xfrm>
+        </p:spPr>
+        <p:txBody>
+          <a:bodyPr/>
+          <a:lstStyle>
+            <a:lvl1pPr>
+              <a:defRPr sz="2800"/>
+            </a:lvl1pPr>
+            <a:lvl2pPr>
+              <a:defRPr sz="2400"/>
+            </a:lvl2pPr>
+            <a:lvl3pPr>
+              <a:defRPr sz="2000"/>
+            </a:lvl3pPr>
+            <a:lvl4pPr>
+              <a:defRPr sz="1800"/>
+            </a:lvl4pPr>
+            <a:lvl5pPr>
+              <a:defRPr sz="1800"/>
+            </a:lvl5pPr>
+            <a:lvl6pPr>
+              <a:defRPr sz="1800"/>
+            </a:lvl6pPr>
+            <a:lvl7pPr>
+              <a:defRPr sz="1800"/>
+            </a:lvl7pPr>
+            <a:lvl8pPr>
+              <a:defRPr sz="1800"/>
+            </a:lvl8pPr>
+            <a:lvl9pPr>
+              <a:defRPr sz="1800"/>
+            </a:lvl9pPr>
+          </a:lstStyle>
+          <a:p>
+            <a:pPr lvl="0"/>
+            <a:r>
+              <a:rPr lang="en-US" smtClean="0"/>
+              <a:t>Click to edit Master text styles</a:t>
+            </a:r>
+          </a:p>
+          <a:p>
+            <a:pPr lvl="1"/>
+            <a:r>
+              <a:rPr lang="en-US" smtClean="0"/>
+              <a:t>Second level</a:t>
+            </a:r>
+          </a:p>
+          <a:p>
+            <a:pPr lvl="2"/>
+            <a:r>
+              <a:rPr lang="en-US" smtClean="0"/>
+              <a:t>Third level</a:t>
+            </a:r>
+          </a:p>
+          <a:p>
+            <a:pPr lvl="3"/>
+            <a:r>
+              <a:rPr lang="en-US" smtClean="0"/>
+              <a:t>Fourth level</a:t>
+            </a:r>
+          </a:p>
+          <a:p>
+            <a:pPr lvl="4"/>
+            <a:r>
+              <a:rPr lang="en-US" smtClean="0"/>
+              <a:t>Fifth level</a:t>
+            </a:r>
+            <a:endParaRPr lang="en-US"/>
+          </a:p>
+        </p:txBody>
+      </p:sp>
+      <p:sp>
+        <p:nvSpPr>
+          <p:cNvPr id="5" name="Date Placeholder 4"/>
+          <p:cNvSpPr>
+            <a:spLocks noGrp="1"/>
+          </p:cNvSpPr>
+          <p:nvPr>
+            <p:ph type="dt" sz="half" idx="10"/>
+          </p:nvPr>
+        </p:nvSpPr>
+        <p:spPr/>
+        <p:txBody>
+          <a:bodyPr/>
+          <a:lstStyle/>
+          <a:p>
+            <a:fld id="{90455005-09FF-4243-A183-D1053D00688D}" type="datetimeFigureOut">
+              <a:rPr lang="en-US" smtClean="0"/>
+              <a:t>11/5/2017</a:t>
+            </a:fld>
+            <a:endParaRPr lang="en-US"/>
+          </a:p>
+        </p:txBody>
+      </p:sp>
+      <p:sp>
+        <p:nvSpPr>
+          <p:cNvPr id="6" name="Footer Placeholder 5"/>
+          <p:cNvSpPr>
+            <a:spLocks noGrp="1"/>
+          </p:cNvSpPr>
+          <p:nvPr>
+            <p:ph type="ftr" sz="quarter" idx="11"/>
+          </p:nvPr>
+        </p:nvSpPr>
+        <p:spPr/>
+        <p:txBody>
+          <a:bodyPr/>
+          <a:lstStyle/>
+          <a:p>
+            <a:endParaRPr lang="en-US"/>
+          </a:p>
+        </p:txBody>
+      </p:sp>
+      <p:sp>
+        <p:nvSpPr>
+          <p:cNvPr id="7" name="Slide Number Placeholder 6"/>
+          <p:cNvSpPr>
+            <a:spLocks noGrp="1"/>
+          </p:cNvSpPr>
+          <p:nvPr>
+            <p:ph type="sldNum" sz="quarter" idx="12"/>
+          </p:nvPr>
+        </p:nvSpPr>
+        <p:spPr/>
+        <p:txBody>
+          <a:bodyPr/>
+          <a:lstStyle/>
+          <a:p>
+            <a:fld id="{99EE57CA-B557-4AEB-A9DC-B1370C4ACAC1}" type="slidenum">
+              <a:rPr lang="en-US" smtClean="0"/>
+              <a:t>‹#›</a:t>
+            </a:fld>
+            <a:endParaRPr lang="en-US"/>
+          </a:p>
+        </p:txBody>
+      </p:sp>
+    </p:spTree>
+    <p:extLst>
+      <p:ext uri="{BB962C8B-B14F-4D97-AF65-F5344CB8AC3E}">
+        <p14:creationId xmlns:p14="http://schemas.microsoft.com/office/powerpoint/2010/main" val="412186086"/>
+      </p:ext>
+    </p:extLst>
+  </p:cSld>
+  <p:clrMapOvr>
+    <a:masterClrMapping/>
+  </p:clrMapOvr>
+</p:sldLayout>
+</file>
+
+<file path=ppt/slideLayouts/slideLayout16.xml><?xml version="1.0" encoding="utf-8"?>
+<p:sldLayout xmlns:a="http://schemas.openxmlformats.org/drawingml/2006/main" xmlns:r="http://schemas.openxmlformats.org/officeDocument/2006/relationships" xmlns:p="http://schemas.openxmlformats.org/presentationml/2006/main" type="twoTxTwoObj" preserve="1">
+  <p:cSld name="Comparison">
+    <p:spTree>
+      <p:nvGrpSpPr>
+        <p:cNvPr id="1" name=""/>
+        <p:cNvGrpSpPr/>
+        <p:nvPr/>
+      </p:nvGrpSpPr>
+      <p:grpSpPr>
+        <a:xfrm>
+          <a:off x="0" y="0"/>
+          <a:ext cx="0" cy="0"/>
+          <a:chOff x="0" y="0"/>
+          <a:chExt cx="0" cy="0"/>
+        </a:xfrm>
+      </p:grpSpPr>
+      <p:sp>
+        <p:nvSpPr>
+          <p:cNvPr id="2" name="Title 1"/>
+          <p:cNvSpPr>
+            <a:spLocks noGrp="1"/>
+          </p:cNvSpPr>
+          <p:nvPr>
+            <p:ph type="title"/>
+          </p:nvPr>
+        </p:nvSpPr>
+        <p:spPr/>
+        <p:txBody>
+          <a:bodyPr/>
+          <a:lstStyle>
+            <a:lvl1pPr>
+              <a:defRPr/>
+            </a:lvl1pPr>
+          </a:lstStyle>
+          <a:p>
+            <a:r>
+              <a:rPr lang="en-US" smtClean="0"/>
+              <a:t>Click to edit Master title style</a:t>
+            </a:r>
+            <a:endParaRPr lang="en-US"/>
+          </a:p>
+        </p:txBody>
+      </p:sp>
+      <p:sp>
+        <p:nvSpPr>
+          <p:cNvPr id="3" name="Text Placeholder 2"/>
+          <p:cNvSpPr>
+            <a:spLocks noGrp="1"/>
+          </p:cNvSpPr>
+          <p:nvPr>
+            <p:ph type="body" idx="1"/>
+          </p:nvPr>
+        </p:nvSpPr>
+        <p:spPr>
+          <a:xfrm>
+            <a:off x="457200" y="1535113"/>
+            <a:ext cx="4040188" cy="639762"/>
+          </a:xfrm>
+        </p:spPr>
+        <p:txBody>
+          <a:bodyPr anchor="b"/>
+          <a:lstStyle>
+            <a:lvl1pPr marL="0" indent="0">
+              <a:buNone/>
+              <a:defRPr sz="2400" b="1"/>
+            </a:lvl1pPr>
+            <a:lvl2pPr marL="457200" indent="0">
+              <a:buNone/>
+              <a:defRPr sz="2000" b="1"/>
+            </a:lvl2pPr>
+            <a:lvl3pPr marL="914400" indent="0">
+              <a:buNone/>
+              <a:defRPr sz="1800" b="1"/>
+            </a:lvl3pPr>
+            <a:lvl4pPr marL="1371600" indent="0">
+              <a:buNone/>
+              <a:defRPr sz="1600" b="1"/>
+            </a:lvl4pPr>
+            <a:lvl5pPr marL="1828800" indent="0">
+              <a:buNone/>
+              <a:defRPr sz="1600" b="1"/>
+            </a:lvl5pPr>
+            <a:lvl6pPr marL="2286000" indent="0">
+              <a:buNone/>
+              <a:defRPr sz="1600" b="1"/>
+            </a:lvl6pPr>
+            <a:lvl7pPr marL="2743200" indent="0">
+              <a:buNone/>
+              <a:defRPr sz="1600" b="1"/>
+            </a:lvl7pPr>
+            <a:lvl8pPr marL="3200400" indent="0">
+              <a:buNone/>
+              <a:defRPr sz="1600" b="1"/>
+            </a:lvl8pPr>
+            <a:lvl9pPr marL="3657600" indent="0">
+              <a:buNone/>
+              <a:defRPr sz="1600" b="1"/>
+            </a:lvl9pPr>
+          </a:lstStyle>
+          <a:p>
+            <a:pPr lvl="0"/>
+            <a:r>
+              <a:rPr lang="en-US" smtClean="0"/>
+              <a:t>Click to edit Master text styles</a:t>
+            </a:r>
+          </a:p>
+        </p:txBody>
+      </p:sp>
+      <p:sp>
+        <p:nvSpPr>
+          <p:cNvPr id="4" name="Content Placeholder 3"/>
+          <p:cNvSpPr>
+            <a:spLocks noGrp="1"/>
+          </p:cNvSpPr>
+          <p:nvPr>
+            <p:ph sz="half" idx="2"/>
+          </p:nvPr>
+        </p:nvSpPr>
+        <p:spPr>
+          <a:xfrm>
+            <a:off x="457200" y="2174875"/>
+            <a:ext cx="4040188" cy="3951288"/>
+          </a:xfrm>
+        </p:spPr>
+        <p:txBody>
+          <a:bodyPr/>
+          <a:lstStyle>
+            <a:lvl1pPr>
+              <a:defRPr sz="2400"/>
+            </a:lvl1pPr>
+            <a:lvl2pPr>
+              <a:defRPr sz="2000"/>
+            </a:lvl2pPr>
+            <a:lvl3pPr>
+              <a:defRPr sz="1800"/>
+            </a:lvl3pPr>
+            <a:lvl4pPr>
+              <a:defRPr sz="1600"/>
+            </a:lvl4pPr>
+            <a:lvl5pPr>
+              <a:defRPr sz="1600"/>
+            </a:lvl5pPr>
+            <a:lvl6pPr>
+              <a:defRPr sz="1600"/>
+            </a:lvl6pPr>
+            <a:lvl7pPr>
+              <a:defRPr sz="1600"/>
+            </a:lvl7pPr>
+            <a:lvl8pPr>
+              <a:defRPr sz="1600"/>
+            </a:lvl8pPr>
+            <a:lvl9pPr>
+              <a:defRPr sz="1600"/>
+            </a:lvl9pPr>
+          </a:lstStyle>
+          <a:p>
+            <a:pPr lvl="0"/>
+            <a:r>
+              <a:rPr lang="en-US" smtClean="0"/>
+              <a:t>Click to edit Master text styles</a:t>
+            </a:r>
+          </a:p>
+          <a:p>
+            <a:pPr lvl="1"/>
+            <a:r>
+              <a:rPr lang="en-US" smtClean="0"/>
+              <a:t>Second level</a:t>
+            </a:r>
+          </a:p>
+          <a:p>
+            <a:pPr lvl="2"/>
+            <a:r>
+              <a:rPr lang="en-US" smtClean="0"/>
+              <a:t>Third level</a:t>
+            </a:r>
+          </a:p>
+          <a:p>
+            <a:pPr lvl="3"/>
+            <a:r>
+              <a:rPr lang="en-US" smtClean="0"/>
+              <a:t>Fourth level</a:t>
+            </a:r>
+          </a:p>
+          <a:p>
+            <a:pPr lvl="4"/>
+            <a:r>
+              <a:rPr lang="en-US" smtClean="0"/>
+              <a:t>Fifth level</a:t>
+            </a:r>
+            <a:endParaRPr lang="en-US"/>
+          </a:p>
+        </p:txBody>
+      </p:sp>
+      <p:sp>
+        <p:nvSpPr>
+          <p:cNvPr id="5" name="Text Placeholder 4"/>
+          <p:cNvSpPr>
+            <a:spLocks noGrp="1"/>
+          </p:cNvSpPr>
+          <p:nvPr>
+            <p:ph type="body" sz="quarter" idx="3"/>
+          </p:nvPr>
+        </p:nvSpPr>
+        <p:spPr>
+          <a:xfrm>
+            <a:off x="4645025" y="1535113"/>
+            <a:ext cx="4041775" cy="639762"/>
+          </a:xfrm>
+        </p:spPr>
+        <p:txBody>
+          <a:bodyPr anchor="b"/>
+          <a:lstStyle>
+            <a:lvl1pPr marL="0" indent="0">
+              <a:buNone/>
+              <a:defRPr sz="2400" b="1"/>
+            </a:lvl1pPr>
+            <a:lvl2pPr marL="457200" indent="0">
+              <a:buNone/>
+              <a:defRPr sz="2000" b="1"/>
+            </a:lvl2pPr>
+            <a:lvl3pPr marL="914400" indent="0">
+              <a:buNone/>
+              <a:defRPr sz="1800" b="1"/>
+            </a:lvl3pPr>
+            <a:lvl4pPr marL="1371600" indent="0">
+              <a:buNone/>
+              <a:defRPr sz="1600" b="1"/>
+            </a:lvl4pPr>
+            <a:lvl5pPr marL="1828800" indent="0">
+              <a:buNone/>
+              <a:defRPr sz="1600" b="1"/>
+            </a:lvl5pPr>
+            <a:lvl6pPr marL="2286000" indent="0">
+              <a:buNone/>
+              <a:defRPr sz="1600" b="1"/>
+            </a:lvl6pPr>
+            <a:lvl7pPr marL="2743200" indent="0">
+              <a:buNone/>
+              <a:defRPr sz="1600" b="1"/>
+            </a:lvl7pPr>
+            <a:lvl8pPr marL="3200400" indent="0">
+              <a:buNone/>
+              <a:defRPr sz="1600" b="1"/>
+            </a:lvl8pPr>
+            <a:lvl9pPr marL="3657600" indent="0">
+              <a:buNone/>
+              <a:defRPr sz="1600" b="1"/>
+            </a:lvl9pPr>
+          </a:lstStyle>
+          <a:p>
+            <a:pPr lvl="0"/>
+            <a:r>
+              <a:rPr lang="en-US" smtClean="0"/>
+              <a:t>Click to edit Master text styles</a:t>
+            </a:r>
+          </a:p>
+        </p:txBody>
+      </p:sp>
+      <p:sp>
+        <p:nvSpPr>
+          <p:cNvPr id="6" name="Content Placeholder 5"/>
+          <p:cNvSpPr>
+            <a:spLocks noGrp="1"/>
+          </p:cNvSpPr>
+          <p:nvPr>
+            <p:ph sz="quarter" idx="4"/>
+          </p:nvPr>
+        </p:nvSpPr>
+        <p:spPr>
+          <a:xfrm>
+            <a:off x="4645025" y="2174875"/>
+            <a:ext cx="4041775" cy="3951288"/>
+          </a:xfrm>
+        </p:spPr>
+        <p:txBody>
+          <a:bodyPr/>
+          <a:lstStyle>
+            <a:lvl1pPr>
+              <a:defRPr sz="2400"/>
+            </a:lvl1pPr>
+            <a:lvl2pPr>
+              <a:defRPr sz="2000"/>
+            </a:lvl2pPr>
+            <a:lvl3pPr>
+              <a:defRPr sz="1800"/>
+            </a:lvl3pPr>
+            <a:lvl4pPr>
+              <a:defRPr sz="1600"/>
+            </a:lvl4pPr>
+            <a:lvl5pPr>
+              <a:defRPr sz="1600"/>
+            </a:lvl5pPr>
+            <a:lvl6pPr>
+              <a:defRPr sz="1600"/>
+            </a:lvl6pPr>
+            <a:lvl7pPr>
+              <a:defRPr sz="1600"/>
+            </a:lvl7pPr>
+            <a:lvl8pPr>
+              <a:defRPr sz="1600"/>
+            </a:lvl8pPr>
+            <a:lvl9pPr>
+              <a:defRPr sz="1600"/>
+            </a:lvl9pPr>
+          </a:lstStyle>
+          <a:p>
+            <a:pPr lvl="0"/>
+            <a:r>
+              <a:rPr lang="en-US" smtClean="0"/>
+              <a:t>Click to edit Master text styles</a:t>
+            </a:r>
+          </a:p>
+          <a:p>
+            <a:pPr lvl="1"/>
+            <a:r>
+              <a:rPr lang="en-US" smtClean="0"/>
+              <a:t>Second level</a:t>
+            </a:r>
+          </a:p>
+          <a:p>
+            <a:pPr lvl="2"/>
+            <a:r>
+              <a:rPr lang="en-US" smtClean="0"/>
+              <a:t>Third level</a:t>
+            </a:r>
+          </a:p>
+          <a:p>
+            <a:pPr lvl="3"/>
+            <a:r>
+              <a:rPr lang="en-US" smtClean="0"/>
+              <a:t>Fourth level</a:t>
+            </a:r>
+          </a:p>
+          <a:p>
+            <a:pPr lvl="4"/>
+            <a:r>
+              <a:rPr lang="en-US" smtClean="0"/>
+              <a:t>Fifth level</a:t>
+            </a:r>
+            <a:endParaRPr lang="en-US"/>
+          </a:p>
+        </p:txBody>
+      </p:sp>
+      <p:sp>
+        <p:nvSpPr>
+          <p:cNvPr id="7" name="Date Placeholder 6"/>
+          <p:cNvSpPr>
+            <a:spLocks noGrp="1"/>
+          </p:cNvSpPr>
+          <p:nvPr>
+            <p:ph type="dt" sz="half" idx="10"/>
+          </p:nvPr>
+        </p:nvSpPr>
+        <p:spPr/>
+        <p:txBody>
+          <a:bodyPr/>
+          <a:lstStyle/>
+          <a:p>
+            <a:fld id="{90455005-09FF-4243-A183-D1053D00688D}" type="datetimeFigureOut">
+              <a:rPr lang="en-US" smtClean="0"/>
+              <a:t>11/5/2017</a:t>
+            </a:fld>
+            <a:endParaRPr lang="en-US"/>
+          </a:p>
+        </p:txBody>
+      </p:sp>
+      <p:sp>
+        <p:nvSpPr>
+          <p:cNvPr id="8" name="Footer Placeholder 7"/>
+          <p:cNvSpPr>
+            <a:spLocks noGrp="1"/>
+          </p:cNvSpPr>
+          <p:nvPr>
+            <p:ph type="ftr" sz="quarter" idx="11"/>
+          </p:nvPr>
+        </p:nvSpPr>
+        <p:spPr/>
+        <p:txBody>
+          <a:bodyPr/>
+          <a:lstStyle/>
+          <a:p>
+            <a:endParaRPr lang="en-US"/>
+          </a:p>
+        </p:txBody>
+      </p:sp>
+      <p:sp>
+        <p:nvSpPr>
+          <p:cNvPr id="9" name="Slide Number Placeholder 8"/>
+          <p:cNvSpPr>
+            <a:spLocks noGrp="1"/>
+          </p:cNvSpPr>
+          <p:nvPr>
+            <p:ph type="sldNum" sz="quarter" idx="12"/>
+          </p:nvPr>
+        </p:nvSpPr>
+        <p:spPr/>
+        <p:txBody>
+          <a:bodyPr/>
+          <a:lstStyle/>
+          <a:p>
+            <a:fld id="{99EE57CA-B557-4AEB-A9DC-B1370C4ACAC1}" type="slidenum">
+              <a:rPr lang="en-US" smtClean="0"/>
+              <a:t>‹#›</a:t>
+            </a:fld>
+            <a:endParaRPr lang="en-US"/>
+          </a:p>
+        </p:txBody>
+      </p:sp>
+    </p:spTree>
+    <p:extLst>
+      <p:ext uri="{BB962C8B-B14F-4D97-AF65-F5344CB8AC3E}">
+        <p14:creationId xmlns:p14="http://schemas.microsoft.com/office/powerpoint/2010/main" val="3176512908"/>
+      </p:ext>
+    </p:extLst>
+  </p:cSld>
+  <p:clrMapOvr>
+    <a:masterClrMapping/>
+  </p:clrMapOvr>
+</p:sldLayout>
+</file>
+
+<file path=ppt/slideLayouts/slideLayout17.xml><?xml version="1.0" encoding="utf-8"?>
+<p:sldLayout xmlns:a="http://schemas.openxmlformats.org/drawingml/2006/main" xmlns:r="http://schemas.openxmlformats.org/officeDocument/2006/relationships" xmlns:p="http://schemas.openxmlformats.org/presentationml/2006/main" type="titleOnly" preserve="1">
+  <p:cSld name="Title Only">
+    <p:spTree>
+      <p:nvGrpSpPr>
+        <p:cNvPr id="1" name=""/>
+        <p:cNvGrpSpPr/>
+        <p:nvPr/>
+      </p:nvGrpSpPr>
+      <p:grpSpPr>
+        <a:xfrm>
+          <a:off x="0" y="0"/>
+          <a:ext cx="0" cy="0"/>
+          <a:chOff x="0" y="0"/>
+          <a:chExt cx="0" cy="0"/>
+        </a:xfrm>
+      </p:grpSpPr>
+      <p:sp>
+        <p:nvSpPr>
+          <p:cNvPr id="2" name="Title 1"/>
+          <p:cNvSpPr>
+            <a:spLocks noGrp="1"/>
+          </p:cNvSpPr>
+          <p:nvPr>
+            <p:ph type="title"/>
+          </p:nvPr>
+        </p:nvSpPr>
+        <p:spPr/>
+        <p:txBody>
+          <a:bodyPr/>
+          <a:lstStyle/>
+          <a:p>
+            <a:r>
+              <a:rPr lang="en-US" smtClean="0"/>
+              <a:t>Click to edit Master title style</a:t>
+            </a:r>
+            <a:endParaRPr lang="en-US"/>
+          </a:p>
+        </p:txBody>
+      </p:sp>
+      <p:sp>
+        <p:nvSpPr>
+          <p:cNvPr id="3" name="Date Placeholder 2"/>
+          <p:cNvSpPr>
+            <a:spLocks noGrp="1"/>
+          </p:cNvSpPr>
+          <p:nvPr>
+            <p:ph type="dt" sz="half" idx="10"/>
+          </p:nvPr>
+        </p:nvSpPr>
+        <p:spPr/>
+        <p:txBody>
+          <a:bodyPr/>
+          <a:lstStyle/>
+          <a:p>
+            <a:fld id="{90455005-09FF-4243-A183-D1053D00688D}" type="datetimeFigureOut">
+              <a:rPr lang="en-US" smtClean="0"/>
+              <a:t>11/5/2017</a:t>
+            </a:fld>
+            <a:endParaRPr lang="en-US"/>
+          </a:p>
+        </p:txBody>
+      </p:sp>
+      <p:sp>
+        <p:nvSpPr>
+          <p:cNvPr id="4" name="Footer Placeholder 3"/>
+          <p:cNvSpPr>
+            <a:spLocks noGrp="1"/>
+          </p:cNvSpPr>
+          <p:nvPr>
+            <p:ph type="ftr" sz="quarter" idx="11"/>
+          </p:nvPr>
+        </p:nvSpPr>
+        <p:spPr/>
+        <p:txBody>
+          <a:bodyPr/>
+          <a:lstStyle/>
+          <a:p>
+            <a:endParaRPr lang="en-US"/>
+          </a:p>
+        </p:txBody>
+      </p:sp>
+      <p:sp>
+        <p:nvSpPr>
+          <p:cNvPr id="5" name="Slide Number Placeholder 4"/>
+          <p:cNvSpPr>
+            <a:spLocks noGrp="1"/>
+          </p:cNvSpPr>
+          <p:nvPr>
+            <p:ph type="sldNum" sz="quarter" idx="12"/>
+          </p:nvPr>
+        </p:nvSpPr>
+        <p:spPr/>
+        <p:txBody>
+          <a:bodyPr/>
+          <a:lstStyle/>
+          <a:p>
+            <a:fld id="{99EE57CA-B557-4AEB-A9DC-B1370C4ACAC1}" type="slidenum">
+              <a:rPr lang="en-US" smtClean="0"/>
+              <a:t>‹#›</a:t>
+            </a:fld>
+            <a:endParaRPr lang="en-US"/>
+          </a:p>
+        </p:txBody>
+      </p:sp>
+    </p:spTree>
+    <p:extLst>
+      <p:ext uri="{BB962C8B-B14F-4D97-AF65-F5344CB8AC3E}">
+        <p14:creationId xmlns:p14="http://schemas.microsoft.com/office/powerpoint/2010/main" val="3510581481"/>
+      </p:ext>
+    </p:extLst>
+  </p:cSld>
+  <p:clrMapOvr>
+    <a:masterClrMapping/>
+  </p:clrMapOvr>
+</p:sldLayout>
+</file>
+
+<file path=ppt/slideLayouts/slideLayout18.xml><?xml version="1.0" encoding="utf-8"?>
+<p:sldLayout xmlns:a="http://schemas.openxmlformats.org/drawingml/2006/main" xmlns:r="http://schemas.openxmlformats.org/officeDocument/2006/relationships" xmlns:p="http://schemas.openxmlformats.org/presentationml/2006/main" type="blank" preserve="1">
+  <p:cSld name="Blank">
+    <p:spTree>
+      <p:nvGrpSpPr>
+        <p:cNvPr id="1" name=""/>
+        <p:cNvGrpSpPr/>
+        <p:nvPr/>
+      </p:nvGrpSpPr>
+      <p:grpSpPr>
+        <a:xfrm>
+          <a:off x="0" y="0"/>
+          <a:ext cx="0" cy="0"/>
+          <a:chOff x="0" y="0"/>
+          <a:chExt cx="0" cy="0"/>
+        </a:xfrm>
+      </p:grpSpPr>
+      <p:sp>
+        <p:nvSpPr>
+          <p:cNvPr id="2" name="Date Placeholder 1"/>
+          <p:cNvSpPr>
+            <a:spLocks noGrp="1"/>
+          </p:cNvSpPr>
+          <p:nvPr>
+            <p:ph type="dt" sz="half" idx="10"/>
+          </p:nvPr>
+        </p:nvSpPr>
+        <p:spPr/>
+        <p:txBody>
+          <a:bodyPr/>
+          <a:lstStyle/>
+          <a:p>
+            <a:fld id="{90455005-09FF-4243-A183-D1053D00688D}" type="datetimeFigureOut">
+              <a:rPr lang="en-US" smtClean="0"/>
+              <a:t>11/5/2017</a:t>
+            </a:fld>
+            <a:endParaRPr lang="en-US"/>
+          </a:p>
+        </p:txBody>
+      </p:sp>
+      <p:sp>
+        <p:nvSpPr>
+          <p:cNvPr id="3" name="Footer Placeholder 2"/>
+          <p:cNvSpPr>
+            <a:spLocks noGrp="1"/>
+          </p:cNvSpPr>
+          <p:nvPr>
+            <p:ph type="ftr" sz="quarter" idx="11"/>
+          </p:nvPr>
+        </p:nvSpPr>
+        <p:spPr/>
+        <p:txBody>
+          <a:bodyPr/>
+          <a:lstStyle/>
+          <a:p>
+            <a:endParaRPr lang="en-US"/>
+          </a:p>
+        </p:txBody>
+      </p:sp>
+      <p:sp>
+        <p:nvSpPr>
+          <p:cNvPr id="4" name="Slide Number Placeholder 3"/>
+          <p:cNvSpPr>
+            <a:spLocks noGrp="1"/>
+          </p:cNvSpPr>
+          <p:nvPr>
+            <p:ph type="sldNum" sz="quarter" idx="12"/>
+          </p:nvPr>
+        </p:nvSpPr>
+        <p:spPr/>
+        <p:txBody>
+          <a:bodyPr/>
+          <a:lstStyle/>
+          <a:p>
+            <a:fld id="{99EE57CA-B557-4AEB-A9DC-B1370C4ACAC1}" type="slidenum">
+              <a:rPr lang="en-US" smtClean="0"/>
+              <a:t>‹#›</a:t>
+            </a:fld>
+            <a:endParaRPr lang="en-US"/>
+          </a:p>
+        </p:txBody>
+      </p:sp>
+    </p:spTree>
+    <p:extLst>
+      <p:ext uri="{BB962C8B-B14F-4D97-AF65-F5344CB8AC3E}">
+        <p14:creationId xmlns:p14="http://schemas.microsoft.com/office/powerpoint/2010/main" val="4011232192"/>
+      </p:ext>
+    </p:extLst>
+  </p:cSld>
+  <p:clrMapOvr>
+    <a:masterClrMapping/>
+  </p:clrMapOvr>
+</p:sldLayout>
+</file>
+
+<file path=ppt/slideLayouts/slideLayout19.xml><?xml version="1.0" encoding="utf-8"?>
+<p:sldLayout xmlns:a="http://schemas.openxmlformats.org/drawingml/2006/main" xmlns:r="http://schemas.openxmlformats.org/officeDocument/2006/relationships" xmlns:p="http://schemas.openxmlformats.org/presentationml/2006/main" type="objTx" preserve="1">
+  <p:cSld name="Content with Caption">
+    <p:spTree>
+      <p:nvGrpSpPr>
+        <p:cNvPr id="1" name=""/>
+        <p:cNvGrpSpPr/>
+        <p:nvPr/>
+      </p:nvGrpSpPr>
+      <p:grpSpPr>
+        <a:xfrm>
+          <a:off x="0" y="0"/>
+          <a:ext cx="0" cy="0"/>
+          <a:chOff x="0" y="0"/>
+          <a:chExt cx="0" cy="0"/>
+        </a:xfrm>
+      </p:grpSpPr>
+      <p:sp>
+        <p:nvSpPr>
+          <p:cNvPr id="2" name="Title 1"/>
+          <p:cNvSpPr>
+            <a:spLocks noGrp="1"/>
+          </p:cNvSpPr>
+          <p:nvPr>
+            <p:ph type="title"/>
+          </p:nvPr>
+        </p:nvSpPr>
+        <p:spPr>
+          <a:xfrm>
+            <a:off x="457200" y="273050"/>
+            <a:ext cx="3008313" cy="1162050"/>
+          </a:xfrm>
+        </p:spPr>
+        <p:txBody>
+          <a:bodyPr anchor="b"/>
+          <a:lstStyle>
+            <a:lvl1pPr algn="l">
+              <a:defRPr sz="2000" b="1"/>
+            </a:lvl1pPr>
+          </a:lstStyle>
+          <a:p>
+            <a:r>
+              <a:rPr lang="en-US" smtClean="0"/>
+              <a:t>Click to edit Master title style</a:t>
+            </a:r>
+            <a:endParaRPr lang="en-US"/>
+          </a:p>
+        </p:txBody>
+      </p:sp>
+      <p:sp>
+        <p:nvSpPr>
+          <p:cNvPr id="3" name="Content Placeholder 2"/>
+          <p:cNvSpPr>
+            <a:spLocks noGrp="1"/>
+          </p:cNvSpPr>
+          <p:nvPr>
+            <p:ph idx="1"/>
+          </p:nvPr>
+        </p:nvSpPr>
+        <p:spPr>
+          <a:xfrm>
+            <a:off x="3575050" y="273050"/>
+            <a:ext cx="5111750" cy="5853113"/>
+          </a:xfrm>
+        </p:spPr>
+        <p:txBody>
+          <a:bodyPr/>
+          <a:lstStyle>
+            <a:lvl1pPr>
+              <a:defRPr sz="3200"/>
+            </a:lvl1pPr>
+            <a:lvl2pPr>
+              <a:defRPr sz="2800"/>
+            </a:lvl2pPr>
+            <a:lvl3pPr>
+              <a:defRPr sz="2400"/>
+            </a:lvl3pPr>
+            <a:lvl4pPr>
+              <a:defRPr sz="2000"/>
+            </a:lvl4pPr>
+            <a:lvl5pPr>
+              <a:defRPr sz="2000"/>
+            </a:lvl5pPr>
+            <a:lvl6pPr>
+              <a:defRPr sz="2000"/>
+            </a:lvl6pPr>
+            <a:lvl7pPr>
+              <a:defRPr sz="2000"/>
+            </a:lvl7pPr>
+            <a:lvl8pPr>
+              <a:defRPr sz="2000"/>
+            </a:lvl8pPr>
+            <a:lvl9pPr>
+              <a:defRPr sz="2000"/>
+            </a:lvl9pPr>
+          </a:lstStyle>
+          <a:p>
+            <a:pPr lvl="0"/>
+            <a:r>
+              <a:rPr lang="en-US" smtClean="0"/>
+              <a:t>Click to edit Master text styles</a:t>
+            </a:r>
+          </a:p>
+          <a:p>
+            <a:pPr lvl="1"/>
+            <a:r>
+              <a:rPr lang="en-US" smtClean="0"/>
+              <a:t>Second level</a:t>
+            </a:r>
+          </a:p>
+          <a:p>
+            <a:pPr lvl="2"/>
+            <a:r>
+              <a:rPr lang="en-US" smtClean="0"/>
+              <a:t>Third level</a:t>
+            </a:r>
+          </a:p>
+          <a:p>
+            <a:pPr lvl="3"/>
+            <a:r>
+              <a:rPr lang="en-US" smtClean="0"/>
+              <a:t>Fourth level</a:t>
+            </a:r>
+          </a:p>
+          <a:p>
+            <a:pPr lvl="4"/>
+            <a:r>
+              <a:rPr lang="en-US" smtClean="0"/>
+              <a:t>Fifth level</a:t>
+            </a:r>
+            <a:endParaRPr lang="en-US"/>
+          </a:p>
+        </p:txBody>
+      </p:sp>
+      <p:sp>
+        <p:nvSpPr>
+          <p:cNvPr id="4" name="Text Placeholder 3"/>
+          <p:cNvSpPr>
+            <a:spLocks noGrp="1"/>
+          </p:cNvSpPr>
+          <p:nvPr>
+            <p:ph type="body" sz="half" idx="2"/>
+          </p:nvPr>
+        </p:nvSpPr>
+        <p:spPr>
+          <a:xfrm>
+            <a:off x="457200" y="1435100"/>
+            <a:ext cx="3008313" cy="4691063"/>
+          </a:xfrm>
+        </p:spPr>
+        <p:txBody>
+          <a:bodyPr/>
+          <a:lstStyle>
+            <a:lvl1pPr marL="0" indent="0">
+              <a:buNone/>
+              <a:defRPr sz="1400"/>
+            </a:lvl1pPr>
+            <a:lvl2pPr marL="457200" indent="0">
+              <a:buNone/>
+              <a:defRPr sz="1200"/>
+            </a:lvl2pPr>
+            <a:lvl3pPr marL="914400" indent="0">
+              <a:buNone/>
+              <a:defRPr sz="1000"/>
+            </a:lvl3pPr>
+            <a:lvl4pPr marL="1371600" indent="0">
+              <a:buNone/>
+              <a:defRPr sz="900"/>
+            </a:lvl4pPr>
+            <a:lvl5pPr marL="1828800" indent="0">
+              <a:buNone/>
+              <a:defRPr sz="900"/>
+            </a:lvl5pPr>
+            <a:lvl6pPr marL="2286000" indent="0">
+              <a:buNone/>
+              <a:defRPr sz="900"/>
+            </a:lvl6pPr>
+            <a:lvl7pPr marL="2743200" indent="0">
+              <a:buNone/>
+              <a:defRPr sz="900"/>
+            </a:lvl7pPr>
+            <a:lvl8pPr marL="3200400" indent="0">
+              <a:buNone/>
+              <a:defRPr sz="900"/>
+            </a:lvl8pPr>
+            <a:lvl9pPr marL="3657600" indent="0">
+              <a:buNone/>
+              <a:defRPr sz="900"/>
+            </a:lvl9pPr>
+          </a:lstStyle>
+          <a:p>
+            <a:pPr lvl="0"/>
+            <a:r>
+              <a:rPr lang="en-US" smtClean="0"/>
+              <a:t>Click to edit Master text styles</a:t>
+            </a:r>
+          </a:p>
+        </p:txBody>
+      </p:sp>
+      <p:sp>
+        <p:nvSpPr>
+          <p:cNvPr id="5" name="Date Placeholder 4"/>
+          <p:cNvSpPr>
+            <a:spLocks noGrp="1"/>
+          </p:cNvSpPr>
+          <p:nvPr>
+            <p:ph type="dt" sz="half" idx="10"/>
+          </p:nvPr>
+        </p:nvSpPr>
+        <p:spPr/>
+        <p:txBody>
+          <a:bodyPr/>
+          <a:lstStyle/>
+          <a:p>
+            <a:fld id="{90455005-09FF-4243-A183-D1053D00688D}" type="datetimeFigureOut">
+              <a:rPr lang="en-US" smtClean="0"/>
+              <a:t>11/5/2017</a:t>
+            </a:fld>
+            <a:endParaRPr lang="en-US"/>
+          </a:p>
+        </p:txBody>
+      </p:sp>
+      <p:sp>
+        <p:nvSpPr>
+          <p:cNvPr id="6" name="Footer Placeholder 5"/>
+          <p:cNvSpPr>
+            <a:spLocks noGrp="1"/>
+          </p:cNvSpPr>
+          <p:nvPr>
+            <p:ph type="ftr" sz="quarter" idx="11"/>
+          </p:nvPr>
+        </p:nvSpPr>
+        <p:spPr/>
+        <p:txBody>
+          <a:bodyPr/>
+          <a:lstStyle/>
+          <a:p>
+            <a:endParaRPr lang="en-US"/>
+          </a:p>
+        </p:txBody>
+      </p:sp>
+      <p:sp>
+        <p:nvSpPr>
+          <p:cNvPr id="7" name="Slide Number Placeholder 6"/>
+          <p:cNvSpPr>
+            <a:spLocks noGrp="1"/>
+          </p:cNvSpPr>
+          <p:nvPr>
+            <p:ph type="sldNum" sz="quarter" idx="12"/>
+          </p:nvPr>
+        </p:nvSpPr>
+        <p:spPr/>
+        <p:txBody>
+          <a:bodyPr/>
+          <a:lstStyle/>
+          <a:p>
+            <a:fld id="{99EE57CA-B557-4AEB-A9DC-B1370C4ACAC1}" type="slidenum">
+              <a:rPr lang="en-US" smtClean="0"/>
+              <a:t>‹#›</a:t>
+            </a:fld>
+            <a:endParaRPr lang="en-US"/>
+          </a:p>
+        </p:txBody>
+      </p:sp>
+    </p:spTree>
+    <p:extLst>
+      <p:ext uri="{BB962C8B-B14F-4D97-AF65-F5344CB8AC3E}">
+        <p14:creationId xmlns:p14="http://schemas.microsoft.com/office/powerpoint/2010/main" val="2903753586"/>
+      </p:ext>
+    </p:extLst>
+  </p:cSld>
+  <p:clrMapOvr>
+    <a:masterClrMapping/>
+  </p:clrMapOvr>
 </p:sldLayout>
 </file>
 
@@ -898,6 +3005,609 @@
     <p:extLst>
       <p:ext uri="{BB962C8B-B14F-4D97-AF65-F5344CB8AC3E}">
         <p14:creationId xmlns:p14="http://schemas.microsoft.com/office/powerpoint/2010/main" val="1155854961"/>
+      </p:ext>
+    </p:extLst>
+  </p:cSld>
+  <p:clrMapOvr>
+    <a:masterClrMapping/>
+  </p:clrMapOvr>
+</p:sldLayout>
+</file>
+
+<file path=ppt/slideLayouts/slideLayout20.xml><?xml version="1.0" encoding="utf-8"?>
+<p:sldLayout xmlns:a="http://schemas.openxmlformats.org/drawingml/2006/main" xmlns:r="http://schemas.openxmlformats.org/officeDocument/2006/relationships" xmlns:p="http://schemas.openxmlformats.org/presentationml/2006/main" type="picTx" preserve="1">
+  <p:cSld name="Picture with Caption">
+    <p:spTree>
+      <p:nvGrpSpPr>
+        <p:cNvPr id="1" name=""/>
+        <p:cNvGrpSpPr/>
+        <p:nvPr/>
+      </p:nvGrpSpPr>
+      <p:grpSpPr>
+        <a:xfrm>
+          <a:off x="0" y="0"/>
+          <a:ext cx="0" cy="0"/>
+          <a:chOff x="0" y="0"/>
+          <a:chExt cx="0" cy="0"/>
+        </a:xfrm>
+      </p:grpSpPr>
+      <p:sp>
+        <p:nvSpPr>
+          <p:cNvPr id="2" name="Title 1"/>
+          <p:cNvSpPr>
+            <a:spLocks noGrp="1"/>
+          </p:cNvSpPr>
+          <p:nvPr>
+            <p:ph type="title"/>
+          </p:nvPr>
+        </p:nvSpPr>
+        <p:spPr>
+          <a:xfrm>
+            <a:off x="1792288" y="4800600"/>
+            <a:ext cx="5486400" cy="566738"/>
+          </a:xfrm>
+        </p:spPr>
+        <p:txBody>
+          <a:bodyPr anchor="b"/>
+          <a:lstStyle>
+            <a:lvl1pPr algn="l">
+              <a:defRPr sz="2000" b="1"/>
+            </a:lvl1pPr>
+          </a:lstStyle>
+          <a:p>
+            <a:r>
+              <a:rPr lang="en-US" smtClean="0"/>
+              <a:t>Click to edit Master title style</a:t>
+            </a:r>
+            <a:endParaRPr lang="en-US"/>
+          </a:p>
+        </p:txBody>
+      </p:sp>
+      <p:sp>
+        <p:nvSpPr>
+          <p:cNvPr id="3" name="Picture Placeholder 2"/>
+          <p:cNvSpPr>
+            <a:spLocks noGrp="1"/>
+          </p:cNvSpPr>
+          <p:nvPr>
+            <p:ph type="pic" idx="1"/>
+          </p:nvPr>
+        </p:nvSpPr>
+        <p:spPr>
+          <a:xfrm>
+            <a:off x="1792288" y="612775"/>
+            <a:ext cx="5486400" cy="4114800"/>
+          </a:xfrm>
+        </p:spPr>
+        <p:txBody>
+          <a:bodyPr/>
+          <a:lstStyle>
+            <a:lvl1pPr marL="0" indent="0">
+              <a:buNone/>
+              <a:defRPr sz="3200"/>
+            </a:lvl1pPr>
+            <a:lvl2pPr marL="457200" indent="0">
+              <a:buNone/>
+              <a:defRPr sz="2800"/>
+            </a:lvl2pPr>
+            <a:lvl3pPr marL="914400" indent="0">
+              <a:buNone/>
+              <a:defRPr sz="2400"/>
+            </a:lvl3pPr>
+            <a:lvl4pPr marL="1371600" indent="0">
+              <a:buNone/>
+              <a:defRPr sz="2000"/>
+            </a:lvl4pPr>
+            <a:lvl5pPr marL="1828800" indent="0">
+              <a:buNone/>
+              <a:defRPr sz="2000"/>
+            </a:lvl5pPr>
+            <a:lvl6pPr marL="2286000" indent="0">
+              <a:buNone/>
+              <a:defRPr sz="2000"/>
+            </a:lvl6pPr>
+            <a:lvl7pPr marL="2743200" indent="0">
+              <a:buNone/>
+              <a:defRPr sz="2000"/>
+            </a:lvl7pPr>
+            <a:lvl8pPr marL="3200400" indent="0">
+              <a:buNone/>
+              <a:defRPr sz="2000"/>
+            </a:lvl8pPr>
+            <a:lvl9pPr marL="3657600" indent="0">
+              <a:buNone/>
+              <a:defRPr sz="2000"/>
+            </a:lvl9pPr>
+          </a:lstStyle>
+          <a:p>
+            <a:endParaRPr lang="en-US"/>
+          </a:p>
+        </p:txBody>
+      </p:sp>
+      <p:sp>
+        <p:nvSpPr>
+          <p:cNvPr id="4" name="Text Placeholder 3"/>
+          <p:cNvSpPr>
+            <a:spLocks noGrp="1"/>
+          </p:cNvSpPr>
+          <p:nvPr>
+            <p:ph type="body" sz="half" idx="2"/>
+          </p:nvPr>
+        </p:nvSpPr>
+        <p:spPr>
+          <a:xfrm>
+            <a:off x="1792288" y="5367338"/>
+            <a:ext cx="5486400" cy="804862"/>
+          </a:xfrm>
+        </p:spPr>
+        <p:txBody>
+          <a:bodyPr/>
+          <a:lstStyle>
+            <a:lvl1pPr marL="0" indent="0">
+              <a:buNone/>
+              <a:defRPr sz="1400"/>
+            </a:lvl1pPr>
+            <a:lvl2pPr marL="457200" indent="0">
+              <a:buNone/>
+              <a:defRPr sz="1200"/>
+            </a:lvl2pPr>
+            <a:lvl3pPr marL="914400" indent="0">
+              <a:buNone/>
+              <a:defRPr sz="1000"/>
+            </a:lvl3pPr>
+            <a:lvl4pPr marL="1371600" indent="0">
+              <a:buNone/>
+              <a:defRPr sz="900"/>
+            </a:lvl4pPr>
+            <a:lvl5pPr marL="1828800" indent="0">
+              <a:buNone/>
+              <a:defRPr sz="900"/>
+            </a:lvl5pPr>
+            <a:lvl6pPr marL="2286000" indent="0">
+              <a:buNone/>
+              <a:defRPr sz="900"/>
+            </a:lvl6pPr>
+            <a:lvl7pPr marL="2743200" indent="0">
+              <a:buNone/>
+              <a:defRPr sz="900"/>
+            </a:lvl7pPr>
+            <a:lvl8pPr marL="3200400" indent="0">
+              <a:buNone/>
+              <a:defRPr sz="900"/>
+            </a:lvl8pPr>
+            <a:lvl9pPr marL="3657600" indent="0">
+              <a:buNone/>
+              <a:defRPr sz="900"/>
+            </a:lvl9pPr>
+          </a:lstStyle>
+          <a:p>
+            <a:pPr lvl="0"/>
+            <a:r>
+              <a:rPr lang="en-US" smtClean="0"/>
+              <a:t>Click to edit Master text styles</a:t>
+            </a:r>
+          </a:p>
+        </p:txBody>
+      </p:sp>
+      <p:sp>
+        <p:nvSpPr>
+          <p:cNvPr id="5" name="Date Placeholder 4"/>
+          <p:cNvSpPr>
+            <a:spLocks noGrp="1"/>
+          </p:cNvSpPr>
+          <p:nvPr>
+            <p:ph type="dt" sz="half" idx="10"/>
+          </p:nvPr>
+        </p:nvSpPr>
+        <p:spPr/>
+        <p:txBody>
+          <a:bodyPr/>
+          <a:lstStyle/>
+          <a:p>
+            <a:fld id="{90455005-09FF-4243-A183-D1053D00688D}" type="datetimeFigureOut">
+              <a:rPr lang="en-US" smtClean="0"/>
+              <a:t>11/5/2017</a:t>
+            </a:fld>
+            <a:endParaRPr lang="en-US"/>
+          </a:p>
+        </p:txBody>
+      </p:sp>
+      <p:sp>
+        <p:nvSpPr>
+          <p:cNvPr id="6" name="Footer Placeholder 5"/>
+          <p:cNvSpPr>
+            <a:spLocks noGrp="1"/>
+          </p:cNvSpPr>
+          <p:nvPr>
+            <p:ph type="ftr" sz="quarter" idx="11"/>
+          </p:nvPr>
+        </p:nvSpPr>
+        <p:spPr/>
+        <p:txBody>
+          <a:bodyPr/>
+          <a:lstStyle/>
+          <a:p>
+            <a:endParaRPr lang="en-US"/>
+          </a:p>
+        </p:txBody>
+      </p:sp>
+      <p:sp>
+        <p:nvSpPr>
+          <p:cNvPr id="7" name="Slide Number Placeholder 6"/>
+          <p:cNvSpPr>
+            <a:spLocks noGrp="1"/>
+          </p:cNvSpPr>
+          <p:nvPr>
+            <p:ph type="sldNum" sz="quarter" idx="12"/>
+          </p:nvPr>
+        </p:nvSpPr>
+        <p:spPr/>
+        <p:txBody>
+          <a:bodyPr/>
+          <a:lstStyle/>
+          <a:p>
+            <a:fld id="{99EE57CA-B557-4AEB-A9DC-B1370C4ACAC1}" type="slidenum">
+              <a:rPr lang="en-US" smtClean="0"/>
+              <a:t>‹#›</a:t>
+            </a:fld>
+            <a:endParaRPr lang="en-US"/>
+          </a:p>
+        </p:txBody>
+      </p:sp>
+    </p:spTree>
+    <p:extLst>
+      <p:ext uri="{BB962C8B-B14F-4D97-AF65-F5344CB8AC3E}">
+        <p14:creationId xmlns:p14="http://schemas.microsoft.com/office/powerpoint/2010/main" val="1691801254"/>
+      </p:ext>
+    </p:extLst>
+  </p:cSld>
+  <p:clrMapOvr>
+    <a:masterClrMapping/>
+  </p:clrMapOvr>
+</p:sldLayout>
+</file>
+
+<file path=ppt/slideLayouts/slideLayout21.xml><?xml version="1.0" encoding="utf-8"?>
+<p:sldLayout xmlns:a="http://schemas.openxmlformats.org/drawingml/2006/main" xmlns:r="http://schemas.openxmlformats.org/officeDocument/2006/relationships" xmlns:p="http://schemas.openxmlformats.org/presentationml/2006/main" type="vertTx" preserve="1">
+  <p:cSld name="Title and Vertical Text">
+    <p:spTree>
+      <p:nvGrpSpPr>
+        <p:cNvPr id="1" name=""/>
+        <p:cNvGrpSpPr/>
+        <p:nvPr/>
+      </p:nvGrpSpPr>
+      <p:grpSpPr>
+        <a:xfrm>
+          <a:off x="0" y="0"/>
+          <a:ext cx="0" cy="0"/>
+          <a:chOff x="0" y="0"/>
+          <a:chExt cx="0" cy="0"/>
+        </a:xfrm>
+      </p:grpSpPr>
+      <p:sp>
+        <p:nvSpPr>
+          <p:cNvPr id="2" name="Title 1"/>
+          <p:cNvSpPr>
+            <a:spLocks noGrp="1"/>
+          </p:cNvSpPr>
+          <p:nvPr>
+            <p:ph type="title"/>
+          </p:nvPr>
+        </p:nvSpPr>
+        <p:spPr/>
+        <p:txBody>
+          <a:bodyPr/>
+          <a:lstStyle/>
+          <a:p>
+            <a:r>
+              <a:rPr lang="en-US" smtClean="0"/>
+              <a:t>Click to edit Master title style</a:t>
+            </a:r>
+            <a:endParaRPr lang="en-US"/>
+          </a:p>
+        </p:txBody>
+      </p:sp>
+      <p:sp>
+        <p:nvSpPr>
+          <p:cNvPr id="3" name="Vertical Text Placeholder 2"/>
+          <p:cNvSpPr>
+            <a:spLocks noGrp="1"/>
+          </p:cNvSpPr>
+          <p:nvPr>
+            <p:ph type="body" orient="vert" idx="1"/>
+          </p:nvPr>
+        </p:nvSpPr>
+        <p:spPr/>
+        <p:txBody>
+          <a:bodyPr vert="eaVert"/>
+          <a:lstStyle/>
+          <a:p>
+            <a:pPr lvl="0"/>
+            <a:r>
+              <a:rPr lang="en-US" smtClean="0"/>
+              <a:t>Click to edit Master text styles</a:t>
+            </a:r>
+          </a:p>
+          <a:p>
+            <a:pPr lvl="1"/>
+            <a:r>
+              <a:rPr lang="en-US" smtClean="0"/>
+              <a:t>Second level</a:t>
+            </a:r>
+          </a:p>
+          <a:p>
+            <a:pPr lvl="2"/>
+            <a:r>
+              <a:rPr lang="en-US" smtClean="0"/>
+              <a:t>Third level</a:t>
+            </a:r>
+          </a:p>
+          <a:p>
+            <a:pPr lvl="3"/>
+            <a:r>
+              <a:rPr lang="en-US" smtClean="0"/>
+              <a:t>Fourth level</a:t>
+            </a:r>
+          </a:p>
+          <a:p>
+            <a:pPr lvl="4"/>
+            <a:r>
+              <a:rPr lang="en-US" smtClean="0"/>
+              <a:t>Fifth level</a:t>
+            </a:r>
+            <a:endParaRPr lang="en-US"/>
+          </a:p>
+        </p:txBody>
+      </p:sp>
+      <p:sp>
+        <p:nvSpPr>
+          <p:cNvPr id="4" name="Date Placeholder 3"/>
+          <p:cNvSpPr>
+            <a:spLocks noGrp="1"/>
+          </p:cNvSpPr>
+          <p:nvPr>
+            <p:ph type="dt" sz="half" idx="10"/>
+          </p:nvPr>
+        </p:nvSpPr>
+        <p:spPr/>
+        <p:txBody>
+          <a:bodyPr/>
+          <a:lstStyle/>
+          <a:p>
+            <a:fld id="{90455005-09FF-4243-A183-D1053D00688D}" type="datetimeFigureOut">
+              <a:rPr lang="en-US" smtClean="0"/>
+              <a:t>11/5/2017</a:t>
+            </a:fld>
+            <a:endParaRPr lang="en-US"/>
+          </a:p>
+        </p:txBody>
+      </p:sp>
+      <p:sp>
+        <p:nvSpPr>
+          <p:cNvPr id="5" name="Footer Placeholder 4"/>
+          <p:cNvSpPr>
+            <a:spLocks noGrp="1"/>
+          </p:cNvSpPr>
+          <p:nvPr>
+            <p:ph type="ftr" sz="quarter" idx="11"/>
+          </p:nvPr>
+        </p:nvSpPr>
+        <p:spPr/>
+        <p:txBody>
+          <a:bodyPr/>
+          <a:lstStyle/>
+          <a:p>
+            <a:endParaRPr lang="en-US"/>
+          </a:p>
+        </p:txBody>
+      </p:sp>
+      <p:sp>
+        <p:nvSpPr>
+          <p:cNvPr id="6" name="Slide Number Placeholder 5"/>
+          <p:cNvSpPr>
+            <a:spLocks noGrp="1"/>
+          </p:cNvSpPr>
+          <p:nvPr>
+            <p:ph type="sldNum" sz="quarter" idx="12"/>
+          </p:nvPr>
+        </p:nvSpPr>
+        <p:spPr/>
+        <p:txBody>
+          <a:bodyPr/>
+          <a:lstStyle/>
+          <a:p>
+            <a:fld id="{99EE57CA-B557-4AEB-A9DC-B1370C4ACAC1}" type="slidenum">
+              <a:rPr lang="en-US" smtClean="0"/>
+              <a:t>‹#›</a:t>
+            </a:fld>
+            <a:endParaRPr lang="en-US"/>
+          </a:p>
+        </p:txBody>
+      </p:sp>
+    </p:spTree>
+    <p:extLst>
+      <p:ext uri="{BB962C8B-B14F-4D97-AF65-F5344CB8AC3E}">
+        <p14:creationId xmlns:p14="http://schemas.microsoft.com/office/powerpoint/2010/main" val="582037962"/>
+      </p:ext>
+    </p:extLst>
+  </p:cSld>
+  <p:clrMapOvr>
+    <a:masterClrMapping/>
+  </p:clrMapOvr>
+</p:sldLayout>
+</file>
+
+<file path=ppt/slideLayouts/slideLayout22.xml><?xml version="1.0" encoding="utf-8"?>
+<p:sldLayout xmlns:a="http://schemas.openxmlformats.org/drawingml/2006/main" xmlns:r="http://schemas.openxmlformats.org/officeDocument/2006/relationships" xmlns:p="http://schemas.openxmlformats.org/presentationml/2006/main" type="vertTitleAndTx" preserve="1">
+  <p:cSld name="Vertical Title and Text">
+    <p:spTree>
+      <p:nvGrpSpPr>
+        <p:cNvPr id="1" name=""/>
+        <p:cNvGrpSpPr/>
+        <p:nvPr/>
+      </p:nvGrpSpPr>
+      <p:grpSpPr>
+        <a:xfrm>
+          <a:off x="0" y="0"/>
+          <a:ext cx="0" cy="0"/>
+          <a:chOff x="0" y="0"/>
+          <a:chExt cx="0" cy="0"/>
+        </a:xfrm>
+      </p:grpSpPr>
+      <p:sp>
+        <p:nvSpPr>
+          <p:cNvPr id="2" name="Vertical Title 1"/>
+          <p:cNvSpPr>
+            <a:spLocks noGrp="1"/>
+          </p:cNvSpPr>
+          <p:nvPr>
+            <p:ph type="title" orient="vert"/>
+          </p:nvPr>
+        </p:nvSpPr>
+        <p:spPr>
+          <a:xfrm>
+            <a:off x="6629400" y="274638"/>
+            <a:ext cx="2057400" cy="5851525"/>
+          </a:xfrm>
+        </p:spPr>
+        <p:txBody>
+          <a:bodyPr vert="eaVert"/>
+          <a:lstStyle/>
+          <a:p>
+            <a:r>
+              <a:rPr lang="en-US" smtClean="0"/>
+              <a:t>Click to edit Master title style</a:t>
+            </a:r>
+            <a:endParaRPr lang="en-US"/>
+          </a:p>
+        </p:txBody>
+      </p:sp>
+      <p:sp>
+        <p:nvSpPr>
+          <p:cNvPr id="3" name="Vertical Text Placeholder 2"/>
+          <p:cNvSpPr>
+            <a:spLocks noGrp="1"/>
+          </p:cNvSpPr>
+          <p:nvPr>
+            <p:ph type="body" orient="vert" idx="1"/>
+          </p:nvPr>
+        </p:nvSpPr>
+        <p:spPr>
+          <a:xfrm>
+            <a:off x="457200" y="274638"/>
+            <a:ext cx="6019800" cy="5851525"/>
+          </a:xfrm>
+        </p:spPr>
+        <p:txBody>
+          <a:bodyPr vert="eaVert"/>
+          <a:lstStyle/>
+          <a:p>
+            <a:pPr lvl="0"/>
+            <a:r>
+              <a:rPr lang="en-US" smtClean="0"/>
+              <a:t>Click to edit Master text styles</a:t>
+            </a:r>
+          </a:p>
+          <a:p>
+            <a:pPr lvl="1"/>
+            <a:r>
+              <a:rPr lang="en-US" smtClean="0"/>
+              <a:t>Second level</a:t>
+            </a:r>
+          </a:p>
+          <a:p>
+            <a:pPr lvl="2"/>
+            <a:r>
+              <a:rPr lang="en-US" smtClean="0"/>
+              <a:t>Third level</a:t>
+            </a:r>
+          </a:p>
+          <a:p>
+            <a:pPr lvl="3"/>
+            <a:r>
+              <a:rPr lang="en-US" smtClean="0"/>
+              <a:t>Fourth level</a:t>
+            </a:r>
+          </a:p>
+          <a:p>
+            <a:pPr lvl="4"/>
+            <a:r>
+              <a:rPr lang="en-US" smtClean="0"/>
+              <a:t>Fifth level</a:t>
+            </a:r>
+            <a:endParaRPr lang="en-US"/>
+          </a:p>
+        </p:txBody>
+      </p:sp>
+      <p:sp>
+        <p:nvSpPr>
+          <p:cNvPr id="4" name="Date Placeholder 3"/>
+          <p:cNvSpPr>
+            <a:spLocks noGrp="1"/>
+          </p:cNvSpPr>
+          <p:nvPr>
+            <p:ph type="dt" sz="half" idx="10"/>
+          </p:nvPr>
+        </p:nvSpPr>
+        <p:spPr/>
+        <p:txBody>
+          <a:bodyPr/>
+          <a:lstStyle/>
+          <a:p>
+            <a:fld id="{90455005-09FF-4243-A183-D1053D00688D}" type="datetimeFigureOut">
+              <a:rPr lang="en-US" smtClean="0"/>
+              <a:t>11/5/2017</a:t>
+            </a:fld>
+            <a:endParaRPr lang="en-US"/>
+          </a:p>
+        </p:txBody>
+      </p:sp>
+      <p:sp>
+        <p:nvSpPr>
+          <p:cNvPr id="5" name="Footer Placeholder 4"/>
+          <p:cNvSpPr>
+            <a:spLocks noGrp="1"/>
+          </p:cNvSpPr>
+          <p:nvPr>
+            <p:ph type="ftr" sz="quarter" idx="11"/>
+          </p:nvPr>
+        </p:nvSpPr>
+        <p:spPr/>
+        <p:txBody>
+          <a:bodyPr/>
+          <a:lstStyle/>
+          <a:p>
+            <a:endParaRPr lang="en-US"/>
+          </a:p>
+        </p:txBody>
+      </p:sp>
+      <p:sp>
+        <p:nvSpPr>
+          <p:cNvPr id="6" name="Slide Number Placeholder 5"/>
+          <p:cNvSpPr>
+            <a:spLocks noGrp="1"/>
+          </p:cNvSpPr>
+          <p:nvPr>
+            <p:ph type="sldNum" sz="quarter" idx="12"/>
+          </p:nvPr>
+        </p:nvSpPr>
+        <p:spPr/>
+        <p:txBody>
+          <a:bodyPr/>
+          <a:lstStyle/>
+          <a:p>
+            <a:fld id="{99EE57CA-B557-4AEB-A9DC-B1370C4ACAC1}" type="slidenum">
+              <a:rPr lang="en-US" smtClean="0"/>
+              <a:t>‹#›</a:t>
+            </a:fld>
+            <a:endParaRPr lang="en-US"/>
+          </a:p>
+        </p:txBody>
+      </p:sp>
+    </p:spTree>
+    <p:extLst>
+      <p:ext uri="{BB962C8B-B14F-4D97-AF65-F5344CB8AC3E}">
+        <p14:creationId xmlns:p14="http://schemas.microsoft.com/office/powerpoint/2010/main" val="1098194163"/>
       </p:ext>
     </p:extLst>
   </p:cSld>
@@ -1430,7 +4140,7 @@
               <a:buClr>
                 <a:schemeClr val="accent1"/>
               </a:buClr>
-              <a:defRPr sz="3200" baseline="0">
+              <a:defRPr sz="2400" baseline="0">
                 <a:solidFill>
                   <a:schemeClr val="accent1"/>
                 </a:solidFill>
@@ -1440,7 +4150,7 @@
               <a:spcAft>
                 <a:spcPts val="600"/>
               </a:spcAft>
-              <a:defRPr sz="2400">
+              <a:defRPr sz="1800">
                 <a:solidFill>
                   <a:schemeClr val="accent1"/>
                 </a:solidFill>
@@ -1450,7 +4160,7 @@
               <a:spcBef>
                 <a:spcPts val="1200"/>
               </a:spcBef>
-              <a:defRPr>
+              <a:defRPr sz="1400">
                 <a:solidFill>
                   <a:schemeClr val="accent1"/>
                 </a:solidFill>
@@ -1606,6 +4316,67 @@
 </file>
 
 <file path=ppt/slideLayouts/slideLayout6.xml><?xml version="1.0" encoding="utf-8"?>
+<p:sldLayout xmlns:a="http://schemas.openxmlformats.org/drawingml/2006/main" xmlns:r="http://schemas.openxmlformats.org/officeDocument/2006/relationships" xmlns:p="http://schemas.openxmlformats.org/presentationml/2006/main" preserve="1" userDrawn="1">
+  <p:cSld name="Custom Layout">
+    <p:spTree>
+      <p:nvGrpSpPr>
+        <p:cNvPr id="1" name=""/>
+        <p:cNvGrpSpPr/>
+        <p:nvPr/>
+      </p:nvGrpSpPr>
+      <p:grpSpPr>
+        <a:xfrm>
+          <a:off x="0" y="0"/>
+          <a:ext cx="0" cy="0"/>
+          <a:chOff x="0" y="0"/>
+          <a:chExt cx="0" cy="0"/>
+        </a:xfrm>
+      </p:grpSpPr>
+      <p:sp>
+        <p:nvSpPr>
+          <p:cNvPr id="2" name="Title 1"/>
+          <p:cNvSpPr>
+            <a:spLocks noGrp="1"/>
+          </p:cNvSpPr>
+          <p:nvPr>
+            <p:ph type="title"/>
+          </p:nvPr>
+        </p:nvSpPr>
+        <p:spPr>
+          <a:xfrm>
+            <a:off x="457200" y="274638"/>
+            <a:ext cx="8229600" cy="1143000"/>
+          </a:xfrm>
+          <a:prstGeom prst="rect">
+            <a:avLst/>
+          </a:prstGeom>
+        </p:spPr>
+        <p:txBody>
+          <a:bodyPr/>
+          <a:lstStyle/>
+          <a:p>
+            <a:r>
+              <a:rPr lang="en-US" smtClean="0"/>
+              <a:t>Click to edit Master title style</a:t>
+            </a:r>
+            <a:endParaRPr lang="en-US"/>
+          </a:p>
+        </p:txBody>
+      </p:sp>
+    </p:spTree>
+    <p:extLst>
+      <p:ext uri="{BB962C8B-B14F-4D97-AF65-F5344CB8AC3E}">
+        <p14:creationId xmlns:p14="http://schemas.microsoft.com/office/powerpoint/2010/main" val="1111061676"/>
+      </p:ext>
+    </p:extLst>
+  </p:cSld>
+  <p:clrMapOvr>
+    <a:masterClrMapping/>
+  </p:clrMapOvr>
+</p:sldLayout>
+</file>
+
+<file path=ppt/slideLayouts/slideLayout7.xml><?xml version="1.0" encoding="utf-8"?>
 <p:sldLayout xmlns:a="http://schemas.openxmlformats.org/drawingml/2006/main" xmlns:r="http://schemas.openxmlformats.org/officeDocument/2006/relationships" xmlns:p="http://schemas.openxmlformats.org/presentationml/2006/main" preserve="1">
   <p:cSld name="Title-Bullets">
     <p:spTree>
@@ -1883,14 +4654,14 @@
   <p:timing>
     <p:tnLst>
       <p:par>
-        <p:cTn xmlns:p14="http://schemas.microsoft.com/office/powerpoint/2010/main" id="1" dur="indefinite" restart="never" nodeType="tmRoot"/>
+        <p:cTn id="1" dur="indefinite" restart="never" nodeType="tmRoot"/>
       </p:par>
     </p:tnLst>
   </p:timing>
 </p:sldLayout>
 </file>
 
-<file path=ppt/slideLayouts/slideLayout7.xml><?xml version="1.0" encoding="utf-8"?>
+<file path=ppt/slideLayouts/slideLayout8.xml><?xml version="1.0" encoding="utf-8"?>
 <p:sldLayout xmlns:a="http://schemas.openxmlformats.org/drawingml/2006/main" xmlns:r="http://schemas.openxmlformats.org/officeDocument/2006/relationships" xmlns:p="http://schemas.openxmlformats.org/presentationml/2006/main" preserve="1">
   <p:cSld name="Title-Paragraph">
     <p:spTree>
@@ -2388,14 +5159,14 @@
   <p:timing>
     <p:tnLst>
       <p:par>
-        <p:cTn xmlns:p14="http://schemas.microsoft.com/office/powerpoint/2010/main" id="1" dur="indefinite" restart="never" nodeType="tmRoot"/>
+        <p:cTn id="1" dur="indefinite" restart="never" nodeType="tmRoot"/>
       </p:par>
     </p:tnLst>
   </p:timing>
 </p:sldLayout>
 </file>
 
-<file path=ppt/slideLayouts/slideLayout8.xml><?xml version="1.0" encoding="utf-8"?>
+<file path=ppt/slideLayouts/slideLayout9.xml><?xml version="1.0" encoding="utf-8"?>
 <p:sldLayout xmlns:a="http://schemas.openxmlformats.org/drawingml/2006/main" xmlns:r="http://schemas.openxmlformats.org/officeDocument/2006/relationships" xmlns:p="http://schemas.openxmlformats.org/presentationml/2006/main" preserve="1">
   <p:cSld name="Highlight-Bullets-pg#">
     <p:spTree>
@@ -2663,253 +5434,6 @@
   <p:clrMapOvr>
     <a:masterClrMapping/>
   </p:clrMapOvr>
-</p:sldLayout>
-</file>
-
-<file path=ppt/slideLayouts/slideLayout9.xml><?xml version="1.0" encoding="utf-8"?>
-<p:sldLayout xmlns:a="http://schemas.openxmlformats.org/drawingml/2006/main" xmlns:r="http://schemas.openxmlformats.org/officeDocument/2006/relationships" xmlns:p="http://schemas.openxmlformats.org/presentationml/2006/main" preserve="1">
-  <p:cSld name="Title-Bullets-pg#">
-    <p:spTree>
-      <p:nvGrpSpPr>
-        <p:cNvPr id="1" name=""/>
-        <p:cNvGrpSpPr/>
-        <p:nvPr/>
-      </p:nvGrpSpPr>
-      <p:grpSpPr>
-        <a:xfrm>
-          <a:off x="0" y="0"/>
-          <a:ext cx="0" cy="0"/>
-          <a:chOff x="0" y="0"/>
-          <a:chExt cx="0" cy="0"/>
-        </a:xfrm>
-      </p:grpSpPr>
-      <p:sp>
-        <p:nvSpPr>
-          <p:cNvPr id="4" name="Text Placeholder 3"/>
-          <p:cNvSpPr>
-            <a:spLocks noGrp="1"/>
-          </p:cNvSpPr>
-          <p:nvPr>
-            <p:ph type="body" sz="quarter" idx="10" hasCustomPrompt="1"/>
-          </p:nvPr>
-        </p:nvSpPr>
-        <p:spPr>
-          <a:xfrm>
-            <a:off x="960783" y="712807"/>
-            <a:ext cx="7388087" cy="664714"/>
-          </a:xfrm>
-          <a:prstGeom prst="rect">
-            <a:avLst/>
-          </a:prstGeom>
-        </p:spPr>
-        <p:txBody>
-          <a:bodyPr vert="horz"/>
-          <a:lstStyle>
-            <a:lvl1pPr marL="0" indent="0">
-              <a:spcBef>
-                <a:spcPts val="0"/>
-              </a:spcBef>
-              <a:buFontTx/>
-              <a:buNone/>
-              <a:defRPr sz="3600">
-                <a:solidFill>
-                  <a:schemeClr val="tx1"/>
-                </a:solidFill>
-              </a:defRPr>
-            </a:lvl1pPr>
-          </a:lstStyle>
-          <a:p>
-            <a:pPr lvl="0"/>
-            <a:r>
-              <a:rPr lang="en-US" dirty="0" smtClean="0"/>
-              <a:t>Title</a:t>
-            </a:r>
-            <a:endParaRPr lang="en-US" dirty="0"/>
-          </a:p>
-        </p:txBody>
-      </p:sp>
-      <p:pic>
-        <p:nvPicPr>
-          <p:cNvPr id="7" name="Picture 6" descr="university.shield.small.blue.pdf"/>
-          <p:cNvPicPr>
-            <a:picLocks noChangeAspect="1"/>
-          </p:cNvPicPr>
-          <p:nvPr/>
-        </p:nvPicPr>
-        <p:blipFill>
-          <a:blip r:embed="rId2">
-            <a:extLst>
-              <a:ext uri="{28A0092B-C50C-407E-A947-70E740481C1C}">
-                <a14:useLocalDpi xmlns:a14="http://schemas.microsoft.com/office/drawing/2010/main" val="0"/>
-              </a:ext>
-            </a:extLst>
-          </a:blip>
-          <a:stretch>
-            <a:fillRect/>
-          </a:stretch>
-        </p:blipFill>
-        <p:spPr>
-          <a:xfrm>
-            <a:off x="8257440" y="6194173"/>
-            <a:ext cx="427383" cy="457200"/>
-          </a:xfrm>
-          <a:prstGeom prst="rect">
-            <a:avLst/>
-          </a:prstGeom>
-        </p:spPr>
-      </p:pic>
-      <p:sp>
-        <p:nvSpPr>
-          <p:cNvPr id="3" name="Text Placeholder 2"/>
-          <p:cNvSpPr>
-            <a:spLocks noGrp="1"/>
-          </p:cNvSpPr>
-          <p:nvPr>
-            <p:ph type="body" sz="quarter" idx="11"/>
-          </p:nvPr>
-        </p:nvSpPr>
-        <p:spPr>
-          <a:xfrm>
-            <a:off x="960438" y="1377950"/>
-            <a:ext cx="7388225" cy="4210050"/>
-          </a:xfrm>
-          <a:prstGeom prst="rect">
-            <a:avLst/>
-          </a:prstGeom>
-        </p:spPr>
-        <p:txBody>
-          <a:bodyPr vert="horz"/>
-          <a:lstStyle>
-            <a:lvl1pPr>
-              <a:spcBef>
-                <a:spcPts val="700"/>
-              </a:spcBef>
-              <a:spcAft>
-                <a:spcPts val="400"/>
-              </a:spcAft>
-              <a:buClr>
-                <a:schemeClr val="accent1"/>
-              </a:buClr>
-              <a:defRPr sz="2800">
-                <a:solidFill>
-                  <a:schemeClr val="accent1"/>
-                </a:solidFill>
-              </a:defRPr>
-            </a:lvl1pPr>
-            <a:lvl2pPr>
-              <a:defRPr sz="2400">
-                <a:solidFill>
-                  <a:schemeClr val="accent1"/>
-                </a:solidFill>
-              </a:defRPr>
-            </a:lvl2pPr>
-            <a:lvl3pPr>
-              <a:defRPr>
-                <a:solidFill>
-                  <a:schemeClr val="accent1"/>
-                </a:solidFill>
-              </a:defRPr>
-            </a:lvl3pPr>
-          </a:lstStyle>
-          <a:p>
-            <a:pPr lvl="0"/>
-            <a:r>
-              <a:rPr lang="en-US" smtClean="0"/>
-              <a:t>Click to edit Master text styles</a:t>
-            </a:r>
-          </a:p>
-          <a:p>
-            <a:pPr lvl="1"/>
-            <a:r>
-              <a:rPr lang="en-US" smtClean="0"/>
-              <a:t>Second level</a:t>
-            </a:r>
-          </a:p>
-          <a:p>
-            <a:pPr lvl="2"/>
-            <a:r>
-              <a:rPr lang="en-US" smtClean="0"/>
-              <a:t>Third level</a:t>
-            </a:r>
-          </a:p>
-          <a:p>
-            <a:pPr lvl="3"/>
-            <a:r>
-              <a:rPr lang="en-US" smtClean="0"/>
-              <a:t>Fourth level</a:t>
-            </a:r>
-          </a:p>
-          <a:p>
-            <a:pPr lvl="4"/>
-            <a:r>
-              <a:rPr lang="en-US" smtClean="0"/>
-              <a:t>Fifth level</a:t>
-            </a:r>
-            <a:endParaRPr lang="en-US" dirty="0" smtClean="0"/>
-          </a:p>
-        </p:txBody>
-      </p:sp>
-      <p:sp>
-        <p:nvSpPr>
-          <p:cNvPr id="6" name="TextBox 5"/>
-          <p:cNvSpPr txBox="1"/>
-          <p:nvPr/>
-        </p:nvSpPr>
-        <p:spPr>
-          <a:xfrm>
-            <a:off x="465512" y="6320286"/>
-            <a:ext cx="638836" cy="307777"/>
-          </a:xfrm>
-          <a:prstGeom prst="rect">
-            <a:avLst/>
-          </a:prstGeom>
-          <a:noFill/>
-        </p:spPr>
-        <p:txBody>
-          <a:bodyPr wrap="square" rtlCol="0">
-            <a:spAutoFit/>
-          </a:bodyPr>
-          <a:lstStyle/>
-          <a:p>
-            <a:pPr algn="ctr"/>
-            <a:fld id="{647299B9-C1A7-9D48-8AE8-8B9C8FA5578A}" type="slidenum">
-              <a:rPr lang="en-US" sz="1400" smtClean="0">
-                <a:solidFill>
-                  <a:srgbClr val="053886"/>
-                </a:solidFill>
-                <a:latin typeface="Arial"/>
-                <a:cs typeface="Arial"/>
-              </a:rPr>
-              <a:pPr algn="ctr"/>
-              <a:t>‹#›</a:t>
-            </a:fld>
-            <a:endParaRPr lang="en-US" sz="1400" dirty="0">
-              <a:solidFill>
-                <a:srgbClr val="053886"/>
-              </a:solidFill>
-              <a:latin typeface="Arial"/>
-              <a:cs typeface="Arial"/>
-            </a:endParaRPr>
-          </a:p>
-        </p:txBody>
-      </p:sp>
-    </p:spTree>
-    <p:extLst>
-      <p:ext uri="{BB962C8B-B14F-4D97-AF65-F5344CB8AC3E}">
-        <p14:creationId xmlns:p14="http://schemas.microsoft.com/office/powerpoint/2010/main" val="1061859844"/>
-      </p:ext>
-    </p:extLst>
-  </p:cSld>
-  <p:clrMapOvr>
-    <a:masterClrMapping/>
-  </p:clrMapOvr>
-  <p:timing>
-    <p:tnLst>
-      <p:par>
-        <p:cTn xmlns:p14="http://schemas.microsoft.com/office/powerpoint/2010/main" id="1" dur="indefinite" restart="never" nodeType="tmRoot"/>
-      </p:par>
-    </p:tnLst>
-  </p:timing>
 </p:sldLayout>
 </file>
 
@@ -2949,11 +5473,12 @@
     <p:sldLayoutId id="2147483663" r:id="rId3"/>
     <p:sldLayoutId id="2147483664" r:id="rId4"/>
     <p:sldLayoutId id="2147483665" r:id="rId5"/>
-    <p:sldLayoutId id="2147483666" r:id="rId6"/>
-    <p:sldLayoutId id="2147483667" r:id="rId7"/>
-    <p:sldLayoutId id="2147483668" r:id="rId8"/>
-    <p:sldLayoutId id="2147483669" r:id="rId9"/>
-    <p:sldLayoutId id="2147483670" r:id="rId10"/>
+    <p:sldLayoutId id="2147483683" r:id="rId6"/>
+    <p:sldLayoutId id="2147483666" r:id="rId7"/>
+    <p:sldLayoutId id="2147483667" r:id="rId8"/>
+    <p:sldLayoutId id="2147483668" r:id="rId9"/>
+    <p:sldLayoutId id="2147483669" r:id="rId10"/>
+    <p:sldLayoutId id="2147483670" r:id="rId11"/>
   </p:sldLayoutIdLst>
   <p:txStyles>
     <p:titleStyle>
@@ -3212,6 +5737,516 @@
 </p:sldMaster>
 </file>
 
+<file path=ppt/slideMasters/slideMaster2.xml><?xml version="1.0" encoding="utf-8"?>
+<p:sldMaster xmlns:a="http://schemas.openxmlformats.org/drawingml/2006/main" xmlns:r="http://schemas.openxmlformats.org/officeDocument/2006/relationships" xmlns:p="http://schemas.openxmlformats.org/presentationml/2006/main" preserve="1">
+  <p:cSld>
+    <p:bg>
+      <p:bgRef idx="1001">
+        <a:schemeClr val="bg1"/>
+      </p:bgRef>
+    </p:bg>
+    <p:spTree>
+      <p:nvGrpSpPr>
+        <p:cNvPr id="1" name=""/>
+        <p:cNvGrpSpPr/>
+        <p:nvPr/>
+      </p:nvGrpSpPr>
+      <p:grpSpPr>
+        <a:xfrm>
+          <a:off x="0" y="0"/>
+          <a:ext cx="0" cy="0"/>
+          <a:chOff x="0" y="0"/>
+          <a:chExt cx="0" cy="0"/>
+        </a:xfrm>
+      </p:grpSpPr>
+      <p:sp>
+        <p:nvSpPr>
+          <p:cNvPr id="2" name="Title Placeholder 1"/>
+          <p:cNvSpPr>
+            <a:spLocks noGrp="1"/>
+          </p:cNvSpPr>
+          <p:nvPr>
+            <p:ph type="title"/>
+          </p:nvPr>
+        </p:nvSpPr>
+        <p:spPr>
+          <a:xfrm>
+            <a:off x="457200" y="274638"/>
+            <a:ext cx="8229600" cy="1143000"/>
+          </a:xfrm>
+          <a:prstGeom prst="rect">
+            <a:avLst/>
+          </a:prstGeom>
+        </p:spPr>
+        <p:txBody>
+          <a:bodyPr vert="horz" lIns="91440" tIns="45720" rIns="91440" bIns="45720" rtlCol="0" anchor="ctr">
+            <a:normAutofit/>
+          </a:bodyPr>
+          <a:lstStyle/>
+          <a:p>
+            <a:r>
+              <a:rPr lang="en-US" smtClean="0"/>
+              <a:t>Click to edit Master title style</a:t>
+            </a:r>
+            <a:endParaRPr lang="en-US"/>
+          </a:p>
+        </p:txBody>
+      </p:sp>
+      <p:sp>
+        <p:nvSpPr>
+          <p:cNvPr id="3" name="Text Placeholder 2"/>
+          <p:cNvSpPr>
+            <a:spLocks noGrp="1"/>
+          </p:cNvSpPr>
+          <p:nvPr>
+            <p:ph type="body" idx="1"/>
+          </p:nvPr>
+        </p:nvSpPr>
+        <p:spPr>
+          <a:xfrm>
+            <a:off x="457200" y="1600200"/>
+            <a:ext cx="8229600" cy="4525963"/>
+          </a:xfrm>
+          <a:prstGeom prst="rect">
+            <a:avLst/>
+          </a:prstGeom>
+        </p:spPr>
+        <p:txBody>
+          <a:bodyPr vert="horz" lIns="91440" tIns="45720" rIns="91440" bIns="45720" rtlCol="0">
+            <a:normAutofit/>
+          </a:bodyPr>
+          <a:lstStyle/>
+          <a:p>
+            <a:pPr lvl="0"/>
+            <a:r>
+              <a:rPr lang="en-US" smtClean="0"/>
+              <a:t>Click to edit Master text styles</a:t>
+            </a:r>
+          </a:p>
+          <a:p>
+            <a:pPr lvl="1"/>
+            <a:r>
+              <a:rPr lang="en-US" smtClean="0"/>
+              <a:t>Second level</a:t>
+            </a:r>
+          </a:p>
+          <a:p>
+            <a:pPr lvl="2"/>
+            <a:r>
+              <a:rPr lang="en-US" smtClean="0"/>
+              <a:t>Third level</a:t>
+            </a:r>
+          </a:p>
+          <a:p>
+            <a:pPr lvl="3"/>
+            <a:r>
+              <a:rPr lang="en-US" smtClean="0"/>
+              <a:t>Fourth level</a:t>
+            </a:r>
+          </a:p>
+          <a:p>
+            <a:pPr lvl="4"/>
+            <a:r>
+              <a:rPr lang="en-US" smtClean="0"/>
+              <a:t>Fifth level</a:t>
+            </a:r>
+            <a:endParaRPr lang="en-US"/>
+          </a:p>
+        </p:txBody>
+      </p:sp>
+      <p:sp>
+        <p:nvSpPr>
+          <p:cNvPr id="4" name="Date Placeholder 3"/>
+          <p:cNvSpPr>
+            <a:spLocks noGrp="1"/>
+          </p:cNvSpPr>
+          <p:nvPr>
+            <p:ph type="dt" sz="half" idx="2"/>
+          </p:nvPr>
+        </p:nvSpPr>
+        <p:spPr>
+          <a:xfrm>
+            <a:off x="457200" y="6356350"/>
+            <a:ext cx="2133600" cy="365125"/>
+          </a:xfrm>
+          <a:prstGeom prst="rect">
+            <a:avLst/>
+          </a:prstGeom>
+        </p:spPr>
+        <p:txBody>
+          <a:bodyPr vert="horz" lIns="91440" tIns="45720" rIns="91440" bIns="45720" rtlCol="0" anchor="ctr"/>
+          <a:lstStyle>
+            <a:lvl1pPr algn="l">
+              <a:defRPr sz="1200">
+                <a:solidFill>
+                  <a:schemeClr val="tx1">
+                    <a:tint val="75000"/>
+                  </a:schemeClr>
+                </a:solidFill>
+              </a:defRPr>
+            </a:lvl1pPr>
+          </a:lstStyle>
+          <a:p>
+            <a:fld id="{90455005-09FF-4243-A183-D1053D00688D}" type="datetimeFigureOut">
+              <a:rPr lang="en-US" smtClean="0"/>
+              <a:t>11/5/2017</a:t>
+            </a:fld>
+            <a:endParaRPr lang="en-US"/>
+          </a:p>
+        </p:txBody>
+      </p:sp>
+      <p:sp>
+        <p:nvSpPr>
+          <p:cNvPr id="5" name="Footer Placeholder 4"/>
+          <p:cNvSpPr>
+            <a:spLocks noGrp="1"/>
+          </p:cNvSpPr>
+          <p:nvPr>
+            <p:ph type="ftr" sz="quarter" idx="3"/>
+          </p:nvPr>
+        </p:nvSpPr>
+        <p:spPr>
+          <a:xfrm>
+            <a:off x="3124200" y="6356350"/>
+            <a:ext cx="2895600" cy="365125"/>
+          </a:xfrm>
+          <a:prstGeom prst="rect">
+            <a:avLst/>
+          </a:prstGeom>
+        </p:spPr>
+        <p:txBody>
+          <a:bodyPr vert="horz" lIns="91440" tIns="45720" rIns="91440" bIns="45720" rtlCol="0" anchor="ctr"/>
+          <a:lstStyle>
+            <a:lvl1pPr algn="ctr">
+              <a:defRPr sz="1200">
+                <a:solidFill>
+                  <a:schemeClr val="tx1">
+                    <a:tint val="75000"/>
+                  </a:schemeClr>
+                </a:solidFill>
+              </a:defRPr>
+            </a:lvl1pPr>
+          </a:lstStyle>
+          <a:p>
+            <a:endParaRPr lang="en-US"/>
+          </a:p>
+        </p:txBody>
+      </p:sp>
+      <p:sp>
+        <p:nvSpPr>
+          <p:cNvPr id="6" name="Slide Number Placeholder 5"/>
+          <p:cNvSpPr>
+            <a:spLocks noGrp="1"/>
+          </p:cNvSpPr>
+          <p:nvPr>
+            <p:ph type="sldNum" sz="quarter" idx="4"/>
+          </p:nvPr>
+        </p:nvSpPr>
+        <p:spPr>
+          <a:xfrm>
+            <a:off x="6553200" y="6356350"/>
+            <a:ext cx="2133600" cy="365125"/>
+          </a:xfrm>
+          <a:prstGeom prst="rect">
+            <a:avLst/>
+          </a:prstGeom>
+        </p:spPr>
+        <p:txBody>
+          <a:bodyPr vert="horz" lIns="91440" tIns="45720" rIns="91440" bIns="45720" rtlCol="0" anchor="ctr"/>
+          <a:lstStyle>
+            <a:lvl1pPr algn="r">
+              <a:defRPr sz="1200">
+                <a:solidFill>
+                  <a:schemeClr val="tx1">
+                    <a:tint val="75000"/>
+                  </a:schemeClr>
+                </a:solidFill>
+              </a:defRPr>
+            </a:lvl1pPr>
+          </a:lstStyle>
+          <a:p>
+            <a:fld id="{99EE57CA-B557-4AEB-A9DC-B1370C4ACAC1}" type="slidenum">
+              <a:rPr lang="en-US" smtClean="0"/>
+              <a:t>‹#›</a:t>
+            </a:fld>
+            <a:endParaRPr lang="en-US"/>
+          </a:p>
+        </p:txBody>
+      </p:sp>
+    </p:spTree>
+    <p:extLst>
+      <p:ext uri="{BB962C8B-B14F-4D97-AF65-F5344CB8AC3E}">
+        <p14:creationId xmlns:p14="http://schemas.microsoft.com/office/powerpoint/2010/main" val="3847418843"/>
+      </p:ext>
+    </p:extLst>
+  </p:cSld>
+  <p:clrMap bg1="lt1" tx1="dk1" bg2="lt2" tx2="dk2" accent1="accent1" accent2="accent2" accent3="accent3" accent4="accent4" accent5="accent5" accent6="accent6" hlink="hlink" folHlink="folHlink"/>
+  <p:sldLayoutIdLst>
+    <p:sldLayoutId id="2147483672" r:id="rId1"/>
+    <p:sldLayoutId id="2147483673" r:id="rId2"/>
+    <p:sldLayoutId id="2147483674" r:id="rId3"/>
+    <p:sldLayoutId id="2147483675" r:id="rId4"/>
+    <p:sldLayoutId id="2147483676" r:id="rId5"/>
+    <p:sldLayoutId id="2147483677" r:id="rId6"/>
+    <p:sldLayoutId id="2147483678" r:id="rId7"/>
+    <p:sldLayoutId id="2147483679" r:id="rId8"/>
+    <p:sldLayoutId id="2147483680" r:id="rId9"/>
+    <p:sldLayoutId id="2147483681" r:id="rId10"/>
+    <p:sldLayoutId id="2147483682" r:id="rId11"/>
+  </p:sldLayoutIdLst>
+  <p:txStyles>
+    <p:titleStyle>
+      <a:lvl1pPr algn="ctr" defTabSz="914400" rtl="0" eaLnBrk="1" latinLnBrk="0" hangingPunct="1">
+        <a:spcBef>
+          <a:spcPct val="0"/>
+        </a:spcBef>
+        <a:buNone/>
+        <a:defRPr sz="4400" kern="1200">
+          <a:solidFill>
+            <a:schemeClr val="tx1"/>
+          </a:solidFill>
+          <a:latin typeface="+mj-lt"/>
+          <a:ea typeface="+mj-ea"/>
+          <a:cs typeface="+mj-cs"/>
+        </a:defRPr>
+      </a:lvl1pPr>
+    </p:titleStyle>
+    <p:bodyStyle>
+      <a:lvl1pPr marL="342900" indent="-342900" algn="l" defTabSz="914400" rtl="0" eaLnBrk="1" latinLnBrk="0" hangingPunct="1">
+        <a:spcBef>
+          <a:spcPct val="20000"/>
+        </a:spcBef>
+        <a:buFont typeface="Arial" panose="020B0604020202020204" pitchFamily="34" charset="0"/>
+        <a:buChar char="•"/>
+        <a:defRPr sz="3200" kern="1200">
+          <a:solidFill>
+            <a:schemeClr val="tx1"/>
+          </a:solidFill>
+          <a:latin typeface="+mn-lt"/>
+          <a:ea typeface="+mn-ea"/>
+          <a:cs typeface="+mn-cs"/>
+        </a:defRPr>
+      </a:lvl1pPr>
+      <a:lvl2pPr marL="742950" indent="-285750" algn="l" defTabSz="914400" rtl="0" eaLnBrk="1" latinLnBrk="0" hangingPunct="1">
+        <a:spcBef>
+          <a:spcPct val="20000"/>
+        </a:spcBef>
+        <a:buFont typeface="Arial" panose="020B0604020202020204" pitchFamily="34" charset="0"/>
+        <a:buChar char="–"/>
+        <a:defRPr sz="2800" kern="1200">
+          <a:solidFill>
+            <a:schemeClr val="tx1"/>
+          </a:solidFill>
+          <a:latin typeface="+mn-lt"/>
+          <a:ea typeface="+mn-ea"/>
+          <a:cs typeface="+mn-cs"/>
+        </a:defRPr>
+      </a:lvl2pPr>
+      <a:lvl3pPr marL="1143000" indent="-228600" algn="l" defTabSz="914400" rtl="0" eaLnBrk="1" latinLnBrk="0" hangingPunct="1">
+        <a:spcBef>
+          <a:spcPct val="20000"/>
+        </a:spcBef>
+        <a:buFont typeface="Arial" panose="020B0604020202020204" pitchFamily="34" charset="0"/>
+        <a:buChar char="•"/>
+        <a:defRPr sz="2400" kern="1200">
+          <a:solidFill>
+            <a:schemeClr val="tx1"/>
+          </a:solidFill>
+          <a:latin typeface="+mn-lt"/>
+          <a:ea typeface="+mn-ea"/>
+          <a:cs typeface="+mn-cs"/>
+        </a:defRPr>
+      </a:lvl3pPr>
+      <a:lvl4pPr marL="1600200" indent="-228600" algn="l" defTabSz="914400" rtl="0" eaLnBrk="1" latinLnBrk="0" hangingPunct="1">
+        <a:spcBef>
+          <a:spcPct val="20000"/>
+        </a:spcBef>
+        <a:buFont typeface="Arial" panose="020B0604020202020204" pitchFamily="34" charset="0"/>
+        <a:buChar char="–"/>
+        <a:defRPr sz="2000" kern="1200">
+          <a:solidFill>
+            <a:schemeClr val="tx1"/>
+          </a:solidFill>
+          <a:latin typeface="+mn-lt"/>
+          <a:ea typeface="+mn-ea"/>
+          <a:cs typeface="+mn-cs"/>
+        </a:defRPr>
+      </a:lvl4pPr>
+      <a:lvl5pPr marL="2057400" indent="-228600" algn="l" defTabSz="914400" rtl="0" eaLnBrk="1" latinLnBrk="0" hangingPunct="1">
+        <a:spcBef>
+          <a:spcPct val="20000"/>
+        </a:spcBef>
+        <a:buFont typeface="Arial" panose="020B0604020202020204" pitchFamily="34" charset="0"/>
+        <a:buChar char="»"/>
+        <a:defRPr sz="2000" kern="1200">
+          <a:solidFill>
+            <a:schemeClr val="tx1"/>
+          </a:solidFill>
+          <a:latin typeface="+mn-lt"/>
+          <a:ea typeface="+mn-ea"/>
+          <a:cs typeface="+mn-cs"/>
+        </a:defRPr>
+      </a:lvl5pPr>
+      <a:lvl6pPr marL="2514600" indent="-228600" algn="l" defTabSz="914400" rtl="0" eaLnBrk="1" latinLnBrk="0" hangingPunct="1">
+        <a:spcBef>
+          <a:spcPct val="20000"/>
+        </a:spcBef>
+        <a:buFont typeface="Arial" panose="020B0604020202020204" pitchFamily="34" charset="0"/>
+        <a:buChar char="•"/>
+        <a:defRPr sz="2000" kern="1200">
+          <a:solidFill>
+            <a:schemeClr val="tx1"/>
+          </a:solidFill>
+          <a:latin typeface="+mn-lt"/>
+          <a:ea typeface="+mn-ea"/>
+          <a:cs typeface="+mn-cs"/>
+        </a:defRPr>
+      </a:lvl6pPr>
+      <a:lvl7pPr marL="2971800" indent="-228600" algn="l" defTabSz="914400" rtl="0" eaLnBrk="1" latinLnBrk="0" hangingPunct="1">
+        <a:spcBef>
+          <a:spcPct val="20000"/>
+        </a:spcBef>
+        <a:buFont typeface="Arial" panose="020B0604020202020204" pitchFamily="34" charset="0"/>
+        <a:buChar char="•"/>
+        <a:defRPr sz="2000" kern="1200">
+          <a:solidFill>
+            <a:schemeClr val="tx1"/>
+          </a:solidFill>
+          <a:latin typeface="+mn-lt"/>
+          <a:ea typeface="+mn-ea"/>
+          <a:cs typeface="+mn-cs"/>
+        </a:defRPr>
+      </a:lvl7pPr>
+      <a:lvl8pPr marL="3429000" indent="-228600" algn="l" defTabSz="914400" rtl="0" eaLnBrk="1" latinLnBrk="0" hangingPunct="1">
+        <a:spcBef>
+          <a:spcPct val="20000"/>
+        </a:spcBef>
+        <a:buFont typeface="Arial" panose="020B0604020202020204" pitchFamily="34" charset="0"/>
+        <a:buChar char="•"/>
+        <a:defRPr sz="2000" kern="1200">
+          <a:solidFill>
+            <a:schemeClr val="tx1"/>
+          </a:solidFill>
+          <a:latin typeface="+mn-lt"/>
+          <a:ea typeface="+mn-ea"/>
+          <a:cs typeface="+mn-cs"/>
+        </a:defRPr>
+      </a:lvl8pPr>
+      <a:lvl9pPr marL="3886200" indent="-228600" algn="l" defTabSz="914400" rtl="0" eaLnBrk="1" latinLnBrk="0" hangingPunct="1">
+        <a:spcBef>
+          <a:spcPct val="20000"/>
+        </a:spcBef>
+        <a:buFont typeface="Arial" panose="020B0604020202020204" pitchFamily="34" charset="0"/>
+        <a:buChar char="•"/>
+        <a:defRPr sz="2000" kern="1200">
+          <a:solidFill>
+            <a:schemeClr val="tx1"/>
+          </a:solidFill>
+          <a:latin typeface="+mn-lt"/>
+          <a:ea typeface="+mn-ea"/>
+          <a:cs typeface="+mn-cs"/>
+        </a:defRPr>
+      </a:lvl9pPr>
+    </p:bodyStyle>
+    <p:otherStyle>
+      <a:defPPr>
+        <a:defRPr lang="en-US"/>
+      </a:defPPr>
+      <a:lvl1pPr marL="0" algn="l" defTabSz="914400" rtl="0" eaLnBrk="1" latinLnBrk="0" hangingPunct="1">
+        <a:defRPr sz="1800" kern="1200">
+          <a:solidFill>
+            <a:schemeClr val="tx1"/>
+          </a:solidFill>
+          <a:latin typeface="+mn-lt"/>
+          <a:ea typeface="+mn-ea"/>
+          <a:cs typeface="+mn-cs"/>
+        </a:defRPr>
+      </a:lvl1pPr>
+      <a:lvl2pPr marL="457200" algn="l" defTabSz="914400" rtl="0" eaLnBrk="1" latinLnBrk="0" hangingPunct="1">
+        <a:defRPr sz="1800" kern="1200">
+          <a:solidFill>
+            <a:schemeClr val="tx1"/>
+          </a:solidFill>
+          <a:latin typeface="+mn-lt"/>
+          <a:ea typeface="+mn-ea"/>
+          <a:cs typeface="+mn-cs"/>
+        </a:defRPr>
+      </a:lvl2pPr>
+      <a:lvl3pPr marL="914400" algn="l" defTabSz="914400" rtl="0" eaLnBrk="1" latinLnBrk="0" hangingPunct="1">
+        <a:defRPr sz="1800" kern="1200">
+          <a:solidFill>
+            <a:schemeClr val="tx1"/>
+          </a:solidFill>
+          <a:latin typeface="+mn-lt"/>
+          <a:ea typeface="+mn-ea"/>
+          <a:cs typeface="+mn-cs"/>
+        </a:defRPr>
+      </a:lvl3pPr>
+      <a:lvl4pPr marL="1371600" algn="l" defTabSz="914400" rtl="0" eaLnBrk="1" latinLnBrk="0" hangingPunct="1">
+        <a:defRPr sz="1800" kern="1200">
+          <a:solidFill>
+            <a:schemeClr val="tx1"/>
+          </a:solidFill>
+          <a:latin typeface="+mn-lt"/>
+          <a:ea typeface="+mn-ea"/>
+          <a:cs typeface="+mn-cs"/>
+        </a:defRPr>
+      </a:lvl4pPr>
+      <a:lvl5pPr marL="1828800" algn="l" defTabSz="914400" rtl="0" eaLnBrk="1" latinLnBrk="0" hangingPunct="1">
+        <a:defRPr sz="1800" kern="1200">
+          <a:solidFill>
+            <a:schemeClr val="tx1"/>
+          </a:solidFill>
+          <a:latin typeface="+mn-lt"/>
+          <a:ea typeface="+mn-ea"/>
+          <a:cs typeface="+mn-cs"/>
+        </a:defRPr>
+      </a:lvl5pPr>
+      <a:lvl6pPr marL="2286000" algn="l" defTabSz="914400" rtl="0" eaLnBrk="1" latinLnBrk="0" hangingPunct="1">
+        <a:defRPr sz="1800" kern="1200">
+          <a:solidFill>
+            <a:schemeClr val="tx1"/>
+          </a:solidFill>
+          <a:latin typeface="+mn-lt"/>
+          <a:ea typeface="+mn-ea"/>
+          <a:cs typeface="+mn-cs"/>
+        </a:defRPr>
+      </a:lvl6pPr>
+      <a:lvl7pPr marL="2743200" algn="l" defTabSz="914400" rtl="0" eaLnBrk="1" latinLnBrk="0" hangingPunct="1">
+        <a:defRPr sz="1800" kern="1200">
+          <a:solidFill>
+            <a:schemeClr val="tx1"/>
+          </a:solidFill>
+          <a:latin typeface="+mn-lt"/>
+          <a:ea typeface="+mn-ea"/>
+          <a:cs typeface="+mn-cs"/>
+        </a:defRPr>
+      </a:lvl7pPr>
+      <a:lvl8pPr marL="3200400" algn="l" defTabSz="914400" rtl="0" eaLnBrk="1" latinLnBrk="0" hangingPunct="1">
+        <a:defRPr sz="1800" kern="1200">
+          <a:solidFill>
+            <a:schemeClr val="tx1"/>
+          </a:solidFill>
+          <a:latin typeface="+mn-lt"/>
+          <a:ea typeface="+mn-ea"/>
+          <a:cs typeface="+mn-cs"/>
+        </a:defRPr>
+      </a:lvl8pPr>
+      <a:lvl9pPr marL="3657600" algn="l" defTabSz="914400" rtl="0" eaLnBrk="1" latinLnBrk="0" hangingPunct="1">
+        <a:defRPr sz="1800" kern="1200">
+          <a:solidFill>
+            <a:schemeClr val="tx1"/>
+          </a:solidFill>
+          <a:latin typeface="+mn-lt"/>
+          <a:ea typeface="+mn-ea"/>
+          <a:cs typeface="+mn-cs"/>
+        </a:defRPr>
+      </a:lvl9pPr>
+    </p:otherStyle>
+  </p:txStyles>
+</p:sldMaster>
+</file>
+
 <file path=ppt/slides/slide1.xml><?xml version="1.0" encoding="utf-8"?>
 <p:sld xmlns:a="http://schemas.openxmlformats.org/drawingml/2006/main" xmlns:r="http://schemas.openxmlformats.org/officeDocument/2006/relationships" xmlns:p="http://schemas.openxmlformats.org/presentationml/2006/main">
   <p:cSld>
@@ -3531,7 +6566,7 @@
   <p:timing>
     <p:tnLst>
       <p:par>
-        <p:cTn xmlns:p14="http://schemas.microsoft.com/office/powerpoint/2010/main" id="1" dur="indefinite" restart="never" nodeType="tmRoot"/>
+        <p:cTn id="1" dur="indefinite" restart="never" nodeType="tmRoot"/>
       </p:par>
     </p:tnLst>
   </p:timing>
@@ -3557,12 +6592,12 @@
       </p:grpSpPr>
       <p:sp>
         <p:nvSpPr>
-          <p:cNvPr id="2" name="Title 1"/>
-          <p:cNvSpPr>
-            <a:spLocks noGrp="1"/>
-          </p:cNvSpPr>
-          <p:nvPr>
-            <p:ph type="title"/>
+          <p:cNvPr id="3" name="Text Placeholder 2"/>
+          <p:cNvSpPr>
+            <a:spLocks noGrp="1"/>
+          </p:cNvSpPr>
+          <p:nvPr>
+            <p:ph type="body" sz="quarter" idx="10"/>
           </p:nvPr>
         </p:nvSpPr>
         <p:spPr/>
@@ -3574,47 +6609,119 @@
               <a:rPr lang="en-US" dirty="0" smtClean="0"/>
               <a:t>Agenda</a:t>
             </a:r>
+            <a:endParaRPr lang="en-US" dirty="0" smtClean="0"/>
+          </a:p>
+          <a:p>
             <a:endParaRPr lang="en-US" dirty="0"/>
           </a:p>
         </p:txBody>
       </p:sp>
       <p:sp>
         <p:nvSpPr>
-          <p:cNvPr id="3" name="Text Placeholder 2"/>
-          <p:cNvSpPr>
-            <a:spLocks noGrp="1"/>
-          </p:cNvSpPr>
-          <p:nvPr>
-            <p:ph type="body" sz="quarter" idx="10"/>
-          </p:nvPr>
-        </p:nvSpPr>
-        <p:spPr/>
+          <p:cNvPr id="4" name="Text Placeholder 3"/>
+          <p:cNvSpPr>
+            <a:spLocks noGrp="1"/>
+          </p:cNvSpPr>
+          <p:nvPr>
+            <p:ph type="body" sz="quarter" idx="11"/>
+          </p:nvPr>
+        </p:nvSpPr>
+        <p:spPr>
+          <a:xfrm>
+            <a:off x="473075" y="1852614"/>
+            <a:ext cx="7464425" cy="4856004"/>
+          </a:xfrm>
+        </p:spPr>
         <p:txBody>
           <a:bodyPr/>
           <a:lstStyle/>
           <a:p>
             <a:r>
-              <a:rPr lang="en-US" dirty="0" smtClean="0"/>
+              <a:rPr lang="en-US" dirty="0"/>
               <a:t>Introduction</a:t>
             </a:r>
           </a:p>
           <a:p>
-            <a:r>
-              <a:rPr lang="en-US" dirty="0" smtClean="0"/>
-              <a:t>Expectation-Maximization Algorithm</a:t>
-            </a:r>
-          </a:p>
-          <a:p>
-            <a:r>
-              <a:rPr lang="en-US" dirty="0" smtClean="0"/>
-              <a:t>Richardson-Lucy Algorithm</a:t>
-            </a:r>
-          </a:p>
-          <a:p>
-            <a:r>
-              <a:rPr lang="en-US" dirty="0" smtClean="0"/>
-              <a:t>MATLAB Implementation</a:t>
-            </a:r>
+            <a:pPr lvl="1"/>
+            <a:r>
+              <a:rPr lang="en-US" dirty="0"/>
+              <a:t>Image </a:t>
+            </a:r>
+            <a:r>
+              <a:rPr lang="en-US" dirty="0" err="1"/>
+              <a:t>Deblurring</a:t>
+            </a:r>
+            <a:endParaRPr lang="en-US" dirty="0"/>
+          </a:p>
+          <a:p>
+            <a:pPr lvl="1"/>
+            <a:r>
+              <a:rPr lang="en-US" dirty="0"/>
+              <a:t>Significance</a:t>
+            </a:r>
+          </a:p>
+          <a:p>
+            <a:r>
+              <a:rPr lang="en-US" dirty="0"/>
+              <a:t>Model</a:t>
+            </a:r>
+          </a:p>
+          <a:p>
+            <a:pPr lvl="1"/>
+            <a:r>
+              <a:rPr lang="en-US" dirty="0"/>
+              <a:t>Terminology</a:t>
+            </a:r>
+          </a:p>
+          <a:p>
+            <a:pPr lvl="1"/>
+            <a:r>
+              <a:rPr lang="en-US" dirty="0"/>
+              <a:t>Blind </a:t>
+            </a:r>
+            <a:r>
+              <a:rPr lang="en-US" dirty="0" err="1"/>
+              <a:t>Deconvolution</a:t>
+            </a:r>
+            <a:endParaRPr lang="en-US" dirty="0"/>
+          </a:p>
+          <a:p>
+            <a:pPr lvl="1"/>
+            <a:r>
+              <a:rPr lang="en-US" dirty="0"/>
+              <a:t>Variable and Function Definitions</a:t>
+            </a:r>
+          </a:p>
+          <a:p>
+            <a:pPr lvl="1"/>
+            <a:r>
+              <a:rPr lang="en-US" dirty="0"/>
+              <a:t>Algorithms</a:t>
+            </a:r>
+          </a:p>
+          <a:p>
+            <a:r>
+              <a:rPr lang="en-US" dirty="0"/>
+              <a:t>Results</a:t>
+            </a:r>
+          </a:p>
+          <a:p>
+            <a:pPr lvl="1"/>
+            <a:r>
+              <a:rPr lang="en-US" dirty="0"/>
+              <a:t>MATLAB </a:t>
+            </a:r>
+            <a:r>
+              <a:rPr lang="en-US" dirty="0" smtClean="0"/>
+              <a:t>Implementation</a:t>
+            </a:r>
+          </a:p>
+          <a:p>
+            <a:r>
+              <a:rPr lang="en-US" dirty="0" smtClean="0"/>
+              <a:t>Conclusions</a:t>
+            </a:r>
+            <a:endParaRPr lang="en-US" dirty="0"/>
           </a:p>
           <a:p>
             <a:endParaRPr lang="en-US" dirty="0"/>
@@ -3653,12 +6760,12 @@
       </p:grpSpPr>
       <p:sp>
         <p:nvSpPr>
-          <p:cNvPr id="2" name="Title 1"/>
-          <p:cNvSpPr>
-            <a:spLocks noGrp="1"/>
-          </p:cNvSpPr>
-          <p:nvPr>
-            <p:ph type="title"/>
+          <p:cNvPr id="2" name="Text Placeholder 1"/>
+          <p:cNvSpPr>
+            <a:spLocks noGrp="1"/>
+          </p:cNvSpPr>
+          <p:nvPr>
+            <p:ph type="body" sz="quarter" idx="10"/>
           </p:nvPr>
         </p:nvSpPr>
         <p:spPr/>
@@ -3669,6 +6776,99 @@
             <a:r>
               <a:rPr lang="en-US" dirty="0" smtClean="0"/>
               <a:t>Introduction</a:t>
+            </a:r>
+            <a:endParaRPr lang="en-US" dirty="0"/>
+          </a:p>
+        </p:txBody>
+      </p:sp>
+      <p:sp>
+        <p:nvSpPr>
+          <p:cNvPr id="3" name="Text Placeholder 2"/>
+          <p:cNvSpPr>
+            <a:spLocks noGrp="1"/>
+          </p:cNvSpPr>
+          <p:nvPr>
+            <p:ph type="body" sz="quarter" idx="11"/>
+          </p:nvPr>
+        </p:nvSpPr>
+        <p:spPr>
+          <a:xfrm>
+            <a:off x="473075" y="1852613"/>
+            <a:ext cx="7464425" cy="5005387"/>
+          </a:xfrm>
+        </p:spPr>
+        <p:txBody>
+          <a:bodyPr/>
+          <a:lstStyle/>
+          <a:p>
+            <a:r>
+              <a:rPr lang="en-US" dirty="0" smtClean="0"/>
+              <a:t>What is Image </a:t>
+            </a:r>
+            <a:r>
+              <a:rPr lang="en-US" dirty="0" err="1" smtClean="0"/>
+              <a:t>Deblurring</a:t>
+            </a:r>
+            <a:r>
+              <a:rPr lang="en-US" dirty="0" smtClean="0"/>
+              <a:t>?</a:t>
+            </a:r>
+          </a:p>
+          <a:p>
+            <a:pPr lvl="1"/>
+            <a:r>
+              <a:rPr lang="en-US" dirty="0" smtClean="0"/>
+              <a:t>Restoring an image without reference of the original source</a:t>
+            </a:r>
+          </a:p>
+          <a:p>
+            <a:r>
+              <a:rPr lang="en-US" dirty="0" smtClean="0"/>
+              <a:t>Significance</a:t>
+            </a:r>
+          </a:p>
+          <a:p>
+            <a:pPr lvl="1"/>
+            <a:r>
+              <a:rPr lang="en-US" dirty="0" smtClean="0"/>
+              <a:t>Clarity in images can define the results in certain fields of research</a:t>
+            </a:r>
+            <a:endParaRPr lang="en-US" dirty="0"/>
+          </a:p>
+          <a:p>
+            <a:r>
+              <a:rPr lang="en-US" dirty="0" smtClean="0"/>
+              <a:t>Motivation/Goal</a:t>
+            </a:r>
+          </a:p>
+          <a:p>
+            <a:pPr lvl="1"/>
+            <a:r>
+              <a:rPr lang="en-US" dirty="0" smtClean="0"/>
+              <a:t>Investigate models that </a:t>
+            </a:r>
+            <a:r>
+              <a:rPr lang="en-US" dirty="0" err="1" smtClean="0"/>
+              <a:t>Matlab’s</a:t>
+            </a:r>
+            <a:r>
+              <a:rPr lang="en-US" dirty="0" smtClean="0"/>
+              <a:t> built-in </a:t>
+            </a:r>
+            <a:r>
+              <a:rPr lang="en-US" dirty="0" smtClean="0"/>
+              <a:t>method is </a:t>
+            </a:r>
+            <a:r>
+              <a:rPr lang="en-US" dirty="0" smtClean="0"/>
+              <a:t>based on</a:t>
+            </a:r>
+          </a:p>
+          <a:p>
+            <a:pPr lvl="1"/>
+            <a:r>
+              <a:rPr lang="en-US" dirty="0" smtClean="0"/>
+              <a:t>Replicate selected results to show magnitude of algorithms and methods</a:t>
             </a:r>
             <a:endParaRPr lang="en-US" dirty="0"/>
           </a:p>
@@ -3677,7 +6877,7 @@
     </p:spTree>
     <p:extLst>
       <p:ext uri="{BB962C8B-B14F-4D97-AF65-F5344CB8AC3E}">
-        <p14:creationId xmlns:p14="http://schemas.microsoft.com/office/powerpoint/2010/main" val="289754616"/>
+        <p14:creationId xmlns:p14="http://schemas.microsoft.com/office/powerpoint/2010/main" val="772297214"/>
       </p:ext>
     </p:extLst>
   </p:cSld>
@@ -3706,12 +6906,12 @@
       </p:grpSpPr>
       <p:sp>
         <p:nvSpPr>
-          <p:cNvPr id="2" name="Title 1"/>
-          <p:cNvSpPr>
-            <a:spLocks noGrp="1"/>
-          </p:cNvSpPr>
-          <p:nvPr>
-            <p:ph type="title"/>
+          <p:cNvPr id="2" name="Text Placeholder 1"/>
+          <p:cNvSpPr>
+            <a:spLocks noGrp="1"/>
+          </p:cNvSpPr>
+          <p:nvPr>
+            <p:ph type="body" sz="quarter" idx="10"/>
           </p:nvPr>
         </p:nvSpPr>
         <p:spPr/>
@@ -3721,16 +6921,90 @@
           <a:p>
             <a:r>
               <a:rPr lang="en-US" dirty="0" smtClean="0"/>
-              <a:t>Expectation-Maximization (EA) Algorithm</a:t>
+              <a:t>Model</a:t>
             </a:r>
             <a:endParaRPr lang="en-US" dirty="0"/>
+          </a:p>
+        </p:txBody>
+      </p:sp>
+      <p:sp>
+        <p:nvSpPr>
+          <p:cNvPr id="3" name="Text Placeholder 2"/>
+          <p:cNvSpPr>
+            <a:spLocks noGrp="1"/>
+          </p:cNvSpPr>
+          <p:nvPr>
+            <p:ph type="body" sz="quarter" idx="11"/>
+          </p:nvPr>
+        </p:nvSpPr>
+        <p:spPr>
+          <a:xfrm>
+            <a:off x="473075" y="1852614"/>
+            <a:ext cx="7464425" cy="4928432"/>
+          </a:xfrm>
+        </p:spPr>
+        <p:txBody>
+          <a:bodyPr/>
+          <a:lstStyle/>
+          <a:p>
+            <a:r>
+              <a:rPr lang="en-US" dirty="0" smtClean="0"/>
+              <a:t>Terminology</a:t>
+            </a:r>
+          </a:p>
+          <a:p>
+            <a:pPr lvl="1"/>
+            <a:r>
+              <a:rPr lang="en-US" dirty="0" smtClean="0"/>
+              <a:t>Noise, Background, Signal</a:t>
+            </a:r>
+          </a:p>
+          <a:p>
+            <a:r>
+              <a:rPr lang="en-US" dirty="0"/>
+              <a:t>Blind </a:t>
+            </a:r>
+            <a:r>
+              <a:rPr lang="en-US" dirty="0" err="1"/>
+              <a:t>Deconvolution</a:t>
+            </a:r>
+            <a:endParaRPr lang="en-US" dirty="0"/>
+          </a:p>
+          <a:p>
+            <a:pPr lvl="1"/>
+            <a:r>
+              <a:rPr lang="en-US" dirty="0"/>
+              <a:t>Deriving the original sources of signal through the convolution of the two sources </a:t>
+            </a:r>
+          </a:p>
+          <a:p>
+            <a:pPr lvl="1"/>
+            <a:r>
+              <a:rPr lang="en-US" dirty="0" smtClean="0"/>
+              <a:t>In the context of Image </a:t>
+            </a:r>
+            <a:r>
+              <a:rPr lang="en-US" dirty="0" err="1" smtClean="0"/>
+              <a:t>Deblurring</a:t>
+            </a:r>
+            <a:r>
+              <a:rPr lang="en-US" dirty="0" smtClean="0"/>
+              <a:t>: Achieving signal from the convolution of signal, background and Poisson noise)</a:t>
+            </a:r>
+          </a:p>
+          <a:p>
+            <a:pPr lvl="1"/>
+            <a:r>
+              <a:rPr lang="en-US" dirty="0" smtClean="0"/>
+              <a:t>Process is done by using iterative processes to find the maximum likelihood of sources</a:t>
+            </a:r>
           </a:p>
         </p:txBody>
       </p:sp>
     </p:spTree>
     <p:extLst>
       <p:ext uri="{BB962C8B-B14F-4D97-AF65-F5344CB8AC3E}">
-        <p14:creationId xmlns:p14="http://schemas.microsoft.com/office/powerpoint/2010/main" val="136672446"/>
+        <p14:creationId xmlns:p14="http://schemas.microsoft.com/office/powerpoint/2010/main" val="1222160906"/>
       </p:ext>
     </p:extLst>
   </p:cSld>
@@ -3759,12 +7033,12 @@
       </p:grpSpPr>
       <p:sp>
         <p:nvSpPr>
-          <p:cNvPr id="2" name="Title 1"/>
-          <p:cNvSpPr>
-            <a:spLocks noGrp="1"/>
-          </p:cNvSpPr>
-          <p:nvPr>
-            <p:ph type="title"/>
+          <p:cNvPr id="2" name="Text Placeholder 1"/>
+          <p:cNvSpPr>
+            <a:spLocks noGrp="1"/>
+          </p:cNvSpPr>
+          <p:nvPr>
+            <p:ph type="body" sz="quarter" idx="10"/>
           </p:nvPr>
         </p:nvSpPr>
         <p:spPr/>
@@ -3774,14 +7048,64 @@
           <a:p>
             <a:r>
               <a:rPr lang="en-US" dirty="0" smtClean="0"/>
-              <a:t>Richardson-Lucy </a:t>
-            </a:r>
-            <a:br>
-              <a:rPr lang="en-US" dirty="0" smtClean="0"/>
-            </a:br>
-            <a:r>
-              <a:rPr lang="en-US" dirty="0" smtClean="0"/>
-              <a:t>(R-L) Algorithm</a:t>
+              <a:t>Model (cont.)</a:t>
+            </a:r>
+            <a:endParaRPr lang="en-US" dirty="0"/>
+          </a:p>
+        </p:txBody>
+      </p:sp>
+      <p:sp>
+        <p:nvSpPr>
+          <p:cNvPr id="3" name="Text Placeholder 2"/>
+          <p:cNvSpPr>
+            <a:spLocks noGrp="1"/>
+          </p:cNvSpPr>
+          <p:nvPr>
+            <p:ph type="body" sz="quarter" idx="11"/>
+          </p:nvPr>
+        </p:nvSpPr>
+        <p:spPr>
+          <a:xfrm>
+            <a:off x="473075" y="1852614"/>
+            <a:ext cx="7464425" cy="4928432"/>
+          </a:xfrm>
+        </p:spPr>
+        <p:txBody>
+          <a:bodyPr/>
+          <a:lstStyle/>
+          <a:p>
+            <a:r>
+              <a:rPr lang="en-US" dirty="0" smtClean="0"/>
+              <a:t>*function and variable </a:t>
+            </a:r>
+            <a:r>
+              <a:rPr lang="en-US" dirty="0" smtClean="0"/>
+              <a:t>definitions*</a:t>
+            </a:r>
+          </a:p>
+          <a:p>
+            <a:r>
+              <a:rPr lang="en-US" dirty="0" smtClean="0"/>
+              <a:t>Algorithms (functions)</a:t>
+            </a:r>
+            <a:endParaRPr lang="en-US" dirty="0"/>
+          </a:p>
+          <a:p>
+            <a:pPr lvl="1"/>
+            <a:r>
+              <a:rPr lang="en-US" dirty="0"/>
+              <a:t>Expectation-Maximization (EA)</a:t>
+            </a:r>
+          </a:p>
+          <a:p>
+            <a:pPr lvl="1"/>
+            <a:r>
+              <a:rPr lang="en-US" dirty="0"/>
+              <a:t>Richardson-Lucy (R-L</a:t>
+            </a:r>
+            <a:r>
+              <a:rPr lang="en-US" dirty="0" smtClean="0"/>
+              <a:t>)</a:t>
             </a:r>
             <a:endParaRPr lang="en-US" dirty="0"/>
           </a:p>
@@ -3790,7 +7114,7 @@
     </p:spTree>
     <p:extLst>
       <p:ext uri="{BB962C8B-B14F-4D97-AF65-F5344CB8AC3E}">
-        <p14:creationId xmlns:p14="http://schemas.microsoft.com/office/powerpoint/2010/main" val="3263998052"/>
+        <p14:creationId xmlns:p14="http://schemas.microsoft.com/office/powerpoint/2010/main" val="1409898442"/>
       </p:ext>
     </p:extLst>
   </p:cSld>
@@ -3819,12 +7143,12 @@
       </p:grpSpPr>
       <p:sp>
         <p:nvSpPr>
-          <p:cNvPr id="2" name="Title 1"/>
-          <p:cNvSpPr>
-            <a:spLocks noGrp="1"/>
-          </p:cNvSpPr>
-          <p:nvPr>
-            <p:ph type="title"/>
+          <p:cNvPr id="2" name="Text Placeholder 1"/>
+          <p:cNvSpPr>
+            <a:spLocks noGrp="1"/>
+          </p:cNvSpPr>
+          <p:nvPr>
+            <p:ph type="body" sz="quarter" idx="10"/>
           </p:nvPr>
         </p:nvSpPr>
         <p:spPr/>
@@ -3834,7 +7158,49 @@
           <a:p>
             <a:r>
               <a:rPr lang="en-US" dirty="0" smtClean="0"/>
-              <a:t>MATLAB Implementation</a:t>
+              <a:t>Results</a:t>
+            </a:r>
+            <a:endParaRPr lang="en-US" dirty="0"/>
+          </a:p>
+        </p:txBody>
+      </p:sp>
+      <p:sp>
+        <p:nvSpPr>
+          <p:cNvPr id="3" name="Text Placeholder 2"/>
+          <p:cNvSpPr>
+            <a:spLocks noGrp="1"/>
+          </p:cNvSpPr>
+          <p:nvPr>
+            <p:ph type="body" sz="quarter" idx="11"/>
+          </p:nvPr>
+        </p:nvSpPr>
+        <p:spPr/>
+        <p:txBody>
+          <a:bodyPr/>
+          <a:lstStyle/>
+          <a:p>
+            <a:r>
+              <a:rPr lang="en-US" dirty="0" err="1" smtClean="0"/>
+              <a:t>Matlab</a:t>
+            </a:r>
+            <a:r>
+              <a:rPr lang="en-US" dirty="0" smtClean="0"/>
+              <a:t> Implementation </a:t>
+            </a:r>
+          </a:p>
+          <a:p>
+            <a:pPr lvl="1"/>
+            <a:r>
+              <a:rPr lang="en-US" dirty="0" smtClean="0"/>
+              <a:t>Insert </a:t>
+            </a:r>
+            <a:r>
+              <a:rPr lang="en-US" dirty="0" err="1" smtClean="0"/>
+              <a:t>deblurred</a:t>
+            </a:r>
+            <a:r>
+              <a:rPr lang="en-US" dirty="0" smtClean="0"/>
+              <a:t> images</a:t>
             </a:r>
             <a:endParaRPr lang="en-US" dirty="0"/>
           </a:p>
@@ -3843,7 +7209,123 @@
     </p:spTree>
     <p:extLst>
       <p:ext uri="{BB962C8B-B14F-4D97-AF65-F5344CB8AC3E}">
-        <p14:creationId xmlns:p14="http://schemas.microsoft.com/office/powerpoint/2010/main" val="3279782668"/>
+        <p14:creationId xmlns:p14="http://schemas.microsoft.com/office/powerpoint/2010/main" val="963608606"/>
+      </p:ext>
+    </p:extLst>
+  </p:cSld>
+  <p:clrMapOvr>
+    <a:masterClrMapping/>
+  </p:clrMapOvr>
+</p:sld>
+</file>
+
+<file path=ppt/slides/slide7.xml><?xml version="1.0" encoding="utf-8"?>
+<p:sld xmlns:a="http://schemas.openxmlformats.org/drawingml/2006/main" xmlns:r="http://schemas.openxmlformats.org/officeDocument/2006/relationships" xmlns:p="http://schemas.openxmlformats.org/presentationml/2006/main">
+  <p:cSld>
+    <p:spTree>
+      <p:nvGrpSpPr>
+        <p:cNvPr id="1" name=""/>
+        <p:cNvGrpSpPr/>
+        <p:nvPr/>
+      </p:nvGrpSpPr>
+      <p:grpSpPr>
+        <a:xfrm>
+          <a:off x="0" y="0"/>
+          <a:ext cx="0" cy="0"/>
+          <a:chOff x="0" y="0"/>
+          <a:chExt cx="0" cy="0"/>
+        </a:xfrm>
+      </p:grpSpPr>
+      <p:sp>
+        <p:nvSpPr>
+          <p:cNvPr id="2" name="Text Placeholder 1"/>
+          <p:cNvSpPr>
+            <a:spLocks noGrp="1"/>
+          </p:cNvSpPr>
+          <p:nvPr>
+            <p:ph type="body" sz="quarter" idx="10"/>
+          </p:nvPr>
+        </p:nvSpPr>
+        <p:spPr/>
+        <p:txBody>
+          <a:bodyPr/>
+          <a:lstStyle/>
+          <a:p>
+            <a:r>
+              <a:rPr lang="en-US" dirty="0" smtClean="0"/>
+              <a:t>Summary/Conclusions</a:t>
+            </a:r>
+            <a:endParaRPr lang="en-US" dirty="0"/>
+          </a:p>
+        </p:txBody>
+      </p:sp>
+      <p:sp>
+        <p:nvSpPr>
+          <p:cNvPr id="3" name="Text Placeholder 2"/>
+          <p:cNvSpPr>
+            <a:spLocks noGrp="1"/>
+          </p:cNvSpPr>
+          <p:nvPr>
+            <p:ph type="body" sz="quarter" idx="11"/>
+          </p:nvPr>
+        </p:nvSpPr>
+        <p:spPr/>
+        <p:txBody>
+          <a:bodyPr/>
+          <a:lstStyle/>
+          <a:p>
+            <a:r>
+              <a:rPr lang="en-US" dirty="0" smtClean="0"/>
+              <a:t>Summary</a:t>
+            </a:r>
+            <a:endParaRPr lang="en-US" dirty="0"/>
+          </a:p>
+          <a:p>
+            <a:pPr lvl="1"/>
+            <a:r>
+              <a:rPr lang="en-US" dirty="0" smtClean="0"/>
+              <a:t>Image </a:t>
+            </a:r>
+            <a:r>
+              <a:rPr lang="en-US" dirty="0" err="1" smtClean="0"/>
+              <a:t>deblurring</a:t>
+            </a:r>
+            <a:r>
+              <a:rPr lang="en-US" dirty="0" smtClean="0"/>
+              <a:t> and significance</a:t>
+            </a:r>
+          </a:p>
+          <a:p>
+            <a:pPr lvl="1"/>
+            <a:r>
+              <a:rPr lang="en-US" dirty="0" smtClean="0"/>
+              <a:t>How Matrix Theory is instrumental to this application</a:t>
+            </a:r>
+          </a:p>
+          <a:p>
+            <a:r>
+              <a:rPr lang="en-US" dirty="0" smtClean="0"/>
+              <a:t>Conclusions</a:t>
+            </a:r>
+          </a:p>
+          <a:p>
+            <a:pPr lvl="1"/>
+            <a:r>
+              <a:rPr lang="en-US" dirty="0" smtClean="0"/>
+              <a:t>Able to replicate results and therefore demonstrate </a:t>
+            </a:r>
+            <a:r>
+              <a:rPr lang="en-US" smtClean="0"/>
+              <a:t>the application</a:t>
+            </a:r>
+            <a:endParaRPr lang="en-US" dirty="0" smtClean="0"/>
+          </a:p>
+        </p:txBody>
+      </p:sp>
+    </p:spTree>
+    <p:extLst>
+      <p:ext uri="{BB962C8B-B14F-4D97-AF65-F5344CB8AC3E}">
+        <p14:creationId xmlns:p14="http://schemas.microsoft.com/office/powerpoint/2010/main" val="3396068983"/>
       </p:ext>
     </p:extLst>
   </p:cSld>
@@ -4169,4 +7651,289 @@
   </a:objectDefaults>
   <a:extraClrSchemeLst/>
 </a:theme>
+</file>
+
+<file path=ppt/theme/theme2.xml><?xml version="1.0" encoding="utf-8"?>
+<a:theme xmlns:a="http://schemas.openxmlformats.org/drawingml/2006/main" name="Custom Design">
+  <a:themeElements>
+    <a:clrScheme name="Office">
+      <a:dk1>
+        <a:sysClr val="windowText" lastClr="000000"/>
+      </a:dk1>
+      <a:lt1>
+        <a:sysClr val="window" lastClr="FFFFFF"/>
+      </a:lt1>
+      <a:dk2>
+        <a:srgbClr val="1F497D"/>
+      </a:dk2>
+      <a:lt2>
+        <a:srgbClr val="EEECE1"/>
+      </a:lt2>
+      <a:accent1>
+        <a:srgbClr val="4F81BD"/>
+      </a:accent1>
+      <a:accent2>
+        <a:srgbClr val="C0504D"/>
+      </a:accent2>
+      <a:accent3>
+        <a:srgbClr val="9BBB59"/>
+      </a:accent3>
+      <a:accent4>
+        <a:srgbClr val="8064A2"/>
+      </a:accent4>
+      <a:accent5>
+        <a:srgbClr val="4BACC6"/>
+      </a:accent5>
+      <a:accent6>
+        <a:srgbClr val="F79646"/>
+      </a:accent6>
+      <a:hlink>
+        <a:srgbClr val="0000FF"/>
+      </a:hlink>
+      <a:folHlink>
+        <a:srgbClr val="800080"/>
+      </a:folHlink>
+    </a:clrScheme>
+    <a:fontScheme name="Office">
+      <a:majorFont>
+        <a:latin typeface="Calibri"/>
+        <a:ea typeface=""/>
+        <a:cs typeface=""/>
+        <a:font script="Jpan" typeface="ＭＳ Ｐゴシック"/>
+        <a:font script="Hang" typeface="맑은 고딕"/>
+        <a:font script="Hans" typeface="宋体"/>
+        <a:font script="Hant" typeface="新細明體"/>
+        <a:font script="Arab" typeface="Times New Roman"/>
+        <a:font script="Hebr" typeface="Times New Roman"/>
+        <a:font script="Thai" typeface="Angsana New"/>
+        <a:font script="Ethi" typeface="Nyala"/>
+        <a:font script="Beng" typeface="Vrinda"/>
+        <a:font script="Gujr" typeface="Shruti"/>
+        <a:font script="Khmr" typeface="MoolBoran"/>
+        <a:font script="Knda" typeface="Tunga"/>
+        <a:font script="Guru" typeface="Raavi"/>
+        <a:font script="Cans" typeface="Euphemia"/>
+        <a:font script="Cher" typeface="Plantagenet Cherokee"/>
+        <a:font script="Yiii" typeface="Microsoft Yi Baiti"/>
+        <a:font script="Tibt" typeface="Microsoft Himalaya"/>
+        <a:font script="Thaa" typeface="MV Boli"/>
+        <a:font script="Deva" typeface="Mangal"/>
+        <a:font script="Telu" typeface="Gautami"/>
+        <a:font script="Taml" typeface="Latha"/>
+        <a:font script="Syrc" typeface="Estrangelo Edessa"/>
+        <a:font script="Orya" typeface="Kalinga"/>
+        <a:font script="Mlym" typeface="Kartika"/>
+        <a:font script="Laoo" typeface="DokChampa"/>
+        <a:font script="Sinh" typeface="Iskoola Pota"/>
+        <a:font script="Mong" typeface="Mongolian Baiti"/>
+        <a:font script="Viet" typeface="Times New Roman"/>
+        <a:font script="Uigh" typeface="Microsoft Uighur"/>
+        <a:font script="Geor" typeface="Sylfaen"/>
+      </a:majorFont>
+      <a:minorFont>
+        <a:latin typeface="Calibri"/>
+        <a:ea typeface=""/>
+        <a:cs typeface=""/>
+        <a:font script="Jpan" typeface="ＭＳ Ｐゴシック"/>
+        <a:font script="Hang" typeface="맑은 고딕"/>
+        <a:font script="Hans" typeface="宋体"/>
+        <a:font script="Hant" typeface="新細明體"/>
+        <a:font script="Arab" typeface="Arial"/>
+        <a:font script="Hebr" typeface="Arial"/>
+        <a:font script="Thai" typeface="Cordia New"/>
+        <a:font script="Ethi" typeface="Nyala"/>
+        <a:font script="Beng" typeface="Vrinda"/>
+        <a:font script="Gujr" typeface="Shruti"/>
+        <a:font script="Khmr" typeface="DaunPenh"/>
+        <a:font script="Knda" typeface="Tunga"/>
+        <a:font script="Guru" typeface="Raavi"/>
+        <a:font script="Cans" typeface="Euphemia"/>
+        <a:font script="Cher" typeface="Plantagenet Cherokee"/>
+        <a:font script="Yiii" typeface="Microsoft Yi Baiti"/>
+        <a:font script="Tibt" typeface="Microsoft Himalaya"/>
+        <a:font script="Thaa" typeface="MV Boli"/>
+        <a:font script="Deva" typeface="Mangal"/>
+        <a:font script="Telu" typeface="Gautami"/>
+        <a:font script="Taml" typeface="Latha"/>
+        <a:font script="Syrc" typeface="Estrangelo Edessa"/>
+        <a:font script="Orya" typeface="Kalinga"/>
+        <a:font script="Mlym" typeface="Kartika"/>
+        <a:font script="Laoo" typeface="DokChampa"/>
+        <a:font script="Sinh" typeface="Iskoola Pota"/>
+        <a:font script="Mong" typeface="Mongolian Baiti"/>
+        <a:font script="Viet" typeface="Arial"/>
+        <a:font script="Uigh" typeface="Microsoft Uighur"/>
+        <a:font script="Geor" typeface="Sylfaen"/>
+      </a:minorFont>
+    </a:fontScheme>
+    <a:fmtScheme name="Office">
+      <a:fillStyleLst>
+        <a:solidFill>
+          <a:schemeClr val="phClr"/>
+        </a:solidFill>
+        <a:gradFill rotWithShape="1">
+          <a:gsLst>
+            <a:gs pos="0">
+              <a:schemeClr val="phClr">
+                <a:tint val="50000"/>
+                <a:satMod val="300000"/>
+              </a:schemeClr>
+            </a:gs>
+            <a:gs pos="35000">
+              <a:schemeClr val="phClr">
+                <a:tint val="37000"/>
+                <a:satMod val="300000"/>
+              </a:schemeClr>
+            </a:gs>
+            <a:gs pos="100000">
+              <a:schemeClr val="phClr">
+                <a:tint val="15000"/>
+                <a:satMod val="350000"/>
+              </a:schemeClr>
+            </a:gs>
+          </a:gsLst>
+          <a:lin ang="16200000" scaled="1"/>
+        </a:gradFill>
+        <a:gradFill rotWithShape="1">
+          <a:gsLst>
+            <a:gs pos="0">
+              <a:schemeClr val="phClr">
+                <a:shade val="51000"/>
+                <a:satMod val="130000"/>
+              </a:schemeClr>
+            </a:gs>
+            <a:gs pos="80000">
+              <a:schemeClr val="phClr">
+                <a:shade val="93000"/>
+                <a:satMod val="130000"/>
+              </a:schemeClr>
+            </a:gs>
+            <a:gs pos="100000">
+              <a:schemeClr val="phClr">
+                <a:shade val="94000"/>
+                <a:satMod val="135000"/>
+              </a:schemeClr>
+            </a:gs>
+          </a:gsLst>
+          <a:lin ang="16200000" scaled="0"/>
+        </a:gradFill>
+      </a:fillStyleLst>
+      <a:lnStyleLst>
+        <a:ln w="9525" cap="flat" cmpd="sng" algn="ctr">
+          <a:solidFill>
+            <a:schemeClr val="phClr">
+              <a:shade val="95000"/>
+              <a:satMod val="105000"/>
+            </a:schemeClr>
+          </a:solidFill>
+          <a:prstDash val="solid"/>
+        </a:ln>
+        <a:ln w="25400" cap="flat" cmpd="sng" algn="ctr">
+          <a:solidFill>
+            <a:schemeClr val="phClr"/>
+          </a:solidFill>
+          <a:prstDash val="solid"/>
+        </a:ln>
+        <a:ln w="38100" cap="flat" cmpd="sng" algn="ctr">
+          <a:solidFill>
+            <a:schemeClr val="phClr"/>
+          </a:solidFill>
+          <a:prstDash val="solid"/>
+        </a:ln>
+      </a:lnStyleLst>
+      <a:effectStyleLst>
+        <a:effectStyle>
+          <a:effectLst>
+            <a:outerShdw blurRad="40000" dist="20000" dir="5400000" rotWithShape="0">
+              <a:srgbClr val="000000">
+                <a:alpha val="38000"/>
+              </a:srgbClr>
+            </a:outerShdw>
+          </a:effectLst>
+        </a:effectStyle>
+        <a:effectStyle>
+          <a:effectLst>
+            <a:outerShdw blurRad="40000" dist="23000" dir="5400000" rotWithShape="0">
+              <a:srgbClr val="000000">
+                <a:alpha val="35000"/>
+              </a:srgbClr>
+            </a:outerShdw>
+          </a:effectLst>
+        </a:effectStyle>
+        <a:effectStyle>
+          <a:effectLst>
+            <a:outerShdw blurRad="40000" dist="23000" dir="5400000" rotWithShape="0">
+              <a:srgbClr val="000000">
+                <a:alpha val="35000"/>
+              </a:srgbClr>
+            </a:outerShdw>
+          </a:effectLst>
+          <a:scene3d>
+            <a:camera prst="orthographicFront">
+              <a:rot lat="0" lon="0" rev="0"/>
+            </a:camera>
+            <a:lightRig rig="threePt" dir="t">
+              <a:rot lat="0" lon="0" rev="1200000"/>
+            </a:lightRig>
+          </a:scene3d>
+          <a:sp3d>
+            <a:bevelT w="63500" h="25400"/>
+          </a:sp3d>
+        </a:effectStyle>
+      </a:effectStyleLst>
+      <a:bgFillStyleLst>
+        <a:solidFill>
+          <a:schemeClr val="phClr"/>
+        </a:solidFill>
+        <a:gradFill rotWithShape="1">
+          <a:gsLst>
+            <a:gs pos="0">
+              <a:schemeClr val="phClr">
+                <a:tint val="40000"/>
+                <a:satMod val="350000"/>
+              </a:schemeClr>
+            </a:gs>
+            <a:gs pos="40000">
+              <a:schemeClr val="phClr">
+                <a:tint val="45000"/>
+                <a:shade val="99000"/>
+                <a:satMod val="350000"/>
+              </a:schemeClr>
+            </a:gs>
+            <a:gs pos="100000">
+              <a:schemeClr val="phClr">
+                <a:shade val="20000"/>
+                <a:satMod val="255000"/>
+              </a:schemeClr>
+            </a:gs>
+          </a:gsLst>
+          <a:path path="circle">
+            <a:fillToRect l="50000" t="-80000" r="50000" b="180000"/>
+          </a:path>
+        </a:gradFill>
+        <a:gradFill rotWithShape="1">
+          <a:gsLst>
+            <a:gs pos="0">
+              <a:schemeClr val="phClr">
+                <a:tint val="80000"/>
+                <a:satMod val="300000"/>
+              </a:schemeClr>
+            </a:gs>
+            <a:gs pos="100000">
+              <a:schemeClr val="phClr">
+                <a:shade val="30000"/>
+                <a:satMod val="200000"/>
+              </a:schemeClr>
+            </a:gs>
+          </a:gsLst>
+          <a:path path="circle">
+            <a:fillToRect l="50000" t="50000" r="50000" b="50000"/>
+          </a:path>
+        </a:gradFill>
+      </a:bgFillStyleLst>
+    </a:fmtScheme>
+  </a:themeElements>
+  <a:objectDefaults/>
+  <a:extraClrSchemeLst/>
+</a:theme>
 </file>
--- a/Diederich_Grassi_Nichols_PPT.pptx
+++ b/Diederich_Grassi_Nichols_PPT.pptx
@@ -6609,7 +6609,6 @@
               <a:rPr lang="en-US" dirty="0" smtClean="0"/>
               <a:t>Agenda</a:t>
             </a:r>
-            <a:endParaRPr lang="en-US" dirty="0" smtClean="0"/>
           </a:p>
           <a:p>
             <a:endParaRPr lang="en-US" dirty="0"/>
@@ -6853,15 +6852,7 @@
             </a:r>
             <a:r>
               <a:rPr lang="en-US" dirty="0" smtClean="0"/>
-              <a:t> built-in </a:t>
-            </a:r>
-            <a:r>
-              <a:rPr lang="en-US" dirty="0" smtClean="0"/>
-              <a:t>method is </a:t>
-            </a:r>
-            <a:r>
-              <a:rPr lang="en-US" dirty="0" smtClean="0"/>
-              <a:t>based on</a:t>
+              <a:t> built-in method is based on</a:t>
             </a:r>
           </a:p>
           <a:p>
@@ -6989,8 +6980,17 @@
             </a:r>
             <a:r>
               <a:rPr lang="en-US" dirty="0" smtClean="0"/>
-              <a:t>: Achieving signal from the convolution of signal, background and Poisson noise)</a:t>
-            </a:r>
+              <a:t>: Achieving signal from the convolution of signal, background and </a:t>
+            </a:r>
+            <a:r>
+              <a:rPr lang="en-US" smtClean="0"/>
+              <a:t>Poisson </a:t>
+            </a:r>
+            <a:r>
+              <a:rPr lang="en-US" smtClean="0"/>
+              <a:t>noise</a:t>
+            </a:r>
+            <a:endParaRPr lang="en-US" dirty="0" smtClean="0"/>
           </a:p>
           <a:p>
             <a:pPr lvl="1"/>
@@ -7076,11 +7076,7 @@
           <a:p>
             <a:r>
               <a:rPr lang="en-US" dirty="0" smtClean="0"/>
-              <a:t>*function and variable </a:t>
-            </a:r>
-            <a:r>
-              <a:rPr lang="en-US" dirty="0" smtClean="0"/>
-              <a:t>definitions*</a:t>
+              <a:t>*function and variable definitions*</a:t>
             </a:r>
           </a:p>
           <a:p>
